--- a/Step 6 Generated_Slides.pptx
+++ b/Step 6 Generated_Slides.pptx
@@ -2,10 +2,23 @@
 <file path=ppt/presentation.xml><?xml version="1.0" encoding="utf-8"?>
 <p:presentation xmlns:a="http://schemas.openxmlformats.org/drawingml/2006/main" xmlns:r="http://schemas.openxmlformats.org/officeDocument/2006/relationships" xmlns:p="http://schemas.openxmlformats.org/presentationml/2006/main" saveSubsetFonts="1" autoCompressPictures="0">
   <p:sldMasterIdLst>
-    <p:sldMasterId id="2147483648" r:id="rId1"/>
+    <p:sldMasterId id="2147483695" r:id="rId1"/>
   </p:sldMasterIdLst>
   <p:sldIdLst>
-    <p:sldId id="256" r:id="rId7"/>
+    <p:sldId id="256" r:id="rId2"/>
+    <p:sldId id="257" r:id="rId3"/>
+    <p:sldId id="258" r:id="rId4"/>
+    <p:sldId id="259" r:id="rId5"/>
+    <p:sldId id="260" r:id="rId6"/>
+    <p:sldId id="261" r:id="rId7"/>
+    <p:sldId id="262" r:id="rId8"/>
+    <p:sldId id="263" r:id="rId9"/>
+    <p:sldId id="264" r:id="rId10"/>
+    <p:sldId id="265" r:id="rId11"/>
+    <p:sldId id="266" r:id="rId12"/>
+    <p:sldId id="267" r:id="rId13"/>
+    <p:sldId id="268" r:id="rId14"/>
+    <p:sldId id="269" r:id="rId15"/>
   </p:sldIdLst>
   <p:sldSz cx="9144000" cy="6858000" type="screen4x3"/>
   <p:notesSz cx="6858000" cy="9144000"/>
@@ -13,7 +26,7 @@
     <a:defPPr>
       <a:defRPr lang="en-US"/>
     </a:defPPr>
-    <a:lvl1pPr marL="0" algn="l" defTabSz="457200" rtl="0" eaLnBrk="1" latinLnBrk="0" hangingPunct="1">
+    <a:lvl1pPr marL="0" algn="l" defTabSz="914400" rtl="0" eaLnBrk="1" latinLnBrk="0" hangingPunct="1">
       <a:defRPr sz="1800" kern="1200">
         <a:solidFill>
           <a:schemeClr val="tx1"/>
@@ -23,7 +36,7 @@
         <a:cs typeface="+mn-cs"/>
       </a:defRPr>
     </a:lvl1pPr>
-    <a:lvl2pPr marL="457200" algn="l" defTabSz="457200" rtl="0" eaLnBrk="1" latinLnBrk="0" hangingPunct="1">
+    <a:lvl2pPr marL="457200" algn="l" defTabSz="914400" rtl="0" eaLnBrk="1" latinLnBrk="0" hangingPunct="1">
       <a:defRPr sz="1800" kern="1200">
         <a:solidFill>
           <a:schemeClr val="tx1"/>
@@ -33,7 +46,7 @@
         <a:cs typeface="+mn-cs"/>
       </a:defRPr>
     </a:lvl2pPr>
-    <a:lvl3pPr marL="914400" algn="l" defTabSz="457200" rtl="0" eaLnBrk="1" latinLnBrk="0" hangingPunct="1">
+    <a:lvl3pPr marL="914400" algn="l" defTabSz="914400" rtl="0" eaLnBrk="1" latinLnBrk="0" hangingPunct="1">
       <a:defRPr sz="1800" kern="1200">
         <a:solidFill>
           <a:schemeClr val="tx1"/>
@@ -43,7 +56,7 @@
         <a:cs typeface="+mn-cs"/>
       </a:defRPr>
     </a:lvl3pPr>
-    <a:lvl4pPr marL="1371600" algn="l" defTabSz="457200" rtl="0" eaLnBrk="1" latinLnBrk="0" hangingPunct="1">
+    <a:lvl4pPr marL="1371600" algn="l" defTabSz="914400" rtl="0" eaLnBrk="1" latinLnBrk="0" hangingPunct="1">
       <a:defRPr sz="1800" kern="1200">
         <a:solidFill>
           <a:schemeClr val="tx1"/>
@@ -53,7 +66,7 @@
         <a:cs typeface="+mn-cs"/>
       </a:defRPr>
     </a:lvl4pPr>
-    <a:lvl5pPr marL="1828800" algn="l" defTabSz="457200" rtl="0" eaLnBrk="1" latinLnBrk="0" hangingPunct="1">
+    <a:lvl5pPr marL="1828800" algn="l" defTabSz="914400" rtl="0" eaLnBrk="1" latinLnBrk="0" hangingPunct="1">
       <a:defRPr sz="1800" kern="1200">
         <a:solidFill>
           <a:schemeClr val="tx1"/>
@@ -63,7 +76,7 @@
         <a:cs typeface="+mn-cs"/>
       </a:defRPr>
     </a:lvl5pPr>
-    <a:lvl6pPr marL="2286000" algn="l" defTabSz="457200" rtl="0" eaLnBrk="1" latinLnBrk="0" hangingPunct="1">
+    <a:lvl6pPr marL="2286000" algn="l" defTabSz="914400" rtl="0" eaLnBrk="1" latinLnBrk="0" hangingPunct="1">
       <a:defRPr sz="1800" kern="1200">
         <a:solidFill>
           <a:schemeClr val="tx1"/>
@@ -73,7 +86,7 @@
         <a:cs typeface="+mn-cs"/>
       </a:defRPr>
     </a:lvl6pPr>
-    <a:lvl7pPr marL="2743200" algn="l" defTabSz="457200" rtl="0" eaLnBrk="1" latinLnBrk="0" hangingPunct="1">
+    <a:lvl7pPr marL="2743200" algn="l" defTabSz="914400" rtl="0" eaLnBrk="1" latinLnBrk="0" hangingPunct="1">
       <a:defRPr sz="1800" kern="1200">
         <a:solidFill>
           <a:schemeClr val="tx1"/>
@@ -83,7 +96,7 @@
         <a:cs typeface="+mn-cs"/>
       </a:defRPr>
     </a:lvl7pPr>
-    <a:lvl8pPr marL="3200400" algn="l" defTabSz="457200" rtl="0" eaLnBrk="1" latinLnBrk="0" hangingPunct="1">
+    <a:lvl8pPr marL="3200400" algn="l" defTabSz="914400" rtl="0" eaLnBrk="1" latinLnBrk="0" hangingPunct="1">
       <a:defRPr sz="1800" kern="1200">
         <a:solidFill>
           <a:schemeClr val="tx1"/>
@@ -93,7 +106,7 @@
         <a:cs typeface="+mn-cs"/>
       </a:defRPr>
     </a:lvl8pPr>
-    <a:lvl9pPr marL="3657600" algn="l" defTabSz="457200" rtl="0" eaLnBrk="1" latinLnBrk="0" hangingPunct="1">
+    <a:lvl9pPr marL="3657600" algn="l" defTabSz="914400" rtl="0" eaLnBrk="1" latinLnBrk="0" hangingPunct="1">
       <a:defRPr sz="1800" kern="1200">
         <a:solidFill>
           <a:schemeClr val="tx1"/>
@@ -104,6 +117,22 @@
       </a:defRPr>
     </a:lvl9pPr>
   </p:defaultTextStyle>
+  <p:extLst>
+    <p:ext uri="{EFAFB233-063F-42B5-8137-9DF3F51BA10A}">
+      <p15:sldGuideLst xmlns:p15="http://schemas.microsoft.com/office/powerpoint/2012/main">
+        <p15:guide id="1" orient="horz" pos="2160">
+          <p15:clr>
+            <a:srgbClr val="A4A3A4"/>
+          </p15:clr>
+        </p15:guide>
+        <p15:guide id="2" pos="2880">
+          <p15:clr>
+            <a:srgbClr val="A4A3A4"/>
+          </p15:clr>
+        </p15:guide>
+      </p15:sldGuideLst>
+    </p:ext>
+  </p:extLst>
 </p:presentation>
 </file>
 
@@ -126,7 +155,13 @@
       </p:grpSpPr>
       <p:sp>
         <p:nvSpPr>
-          <p:cNvPr id="2" name="Title 1"/>
+          <p:cNvPr id="2" name="Title 1">
+            <a:extLst>
+              <a:ext uri="{FF2B5EF4-FFF2-40B4-BE49-F238E27FC236}">
+                <a16:creationId xmlns:a16="http://schemas.microsoft.com/office/drawing/2014/main" id="{CE29151B-2898-B0B3-FFA3-F974E3A466F5}"/>
+              </a:ext>
+            </a:extLst>
+          </p:cNvPr>
           <p:cNvSpPr>
             <a:spLocks noGrp="1"/>
           </p:cNvSpPr>
@@ -136,25 +171,34 @@
         </p:nvSpPr>
         <p:spPr>
           <a:xfrm>
-            <a:off x="685800" y="2130425"/>
-            <a:ext cx="7772400" cy="1470025"/>
+            <a:off x="1143000" y="1122363"/>
+            <a:ext cx="6858000" cy="2387600"/>
           </a:xfrm>
         </p:spPr>
         <p:txBody>
-          <a:bodyPr/>
-          <a:lstStyle/>
-          <a:p>
-            <a:r>
-              <a:rPr lang="en-US" smtClean="0"/>
+          <a:bodyPr anchor="b"/>
+          <a:lstStyle>
+            <a:lvl1pPr algn="ctr">
+              <a:defRPr sz="4500"/>
+            </a:lvl1pPr>
+          </a:lstStyle>
+          <a:p>
+            <a:r>
+              <a:rPr lang="en-US"/>
               <a:t>Click to edit Master title style</a:t>
             </a:r>
-            <a:endParaRPr lang="en-US"/>
-          </a:p>
-        </p:txBody>
-      </p:sp>
-      <p:sp>
-        <p:nvSpPr>
-          <p:cNvPr id="3" name="Subtitle 2"/>
+          </a:p>
+        </p:txBody>
+      </p:sp>
+      <p:sp>
+        <p:nvSpPr>
+          <p:cNvPr id="3" name="Subtitle 2">
+            <a:extLst>
+              <a:ext uri="{FF2B5EF4-FFF2-40B4-BE49-F238E27FC236}">
+                <a16:creationId xmlns:a16="http://schemas.microsoft.com/office/drawing/2014/main" id="{B6C6812C-2C3F-7230-25AF-46A07FD43E12}"/>
+              </a:ext>
+            </a:extLst>
+          </p:cNvPr>
           <p:cNvSpPr>
             <a:spLocks noGrp="1"/>
           </p:cNvSpPr>
@@ -164,8 +208,8 @@
         </p:nvSpPr>
         <p:spPr>
           <a:xfrm>
-            <a:off x="1371600" y="3886200"/>
-            <a:ext cx="6400800" cy="1752600"/>
+            <a:off x="1143000" y="3602038"/>
+            <a:ext cx="6858000" cy="1655762"/>
           </a:xfrm>
         </p:spPr>
         <p:txBody>
@@ -173,107 +217,58 @@
           <a:lstStyle>
             <a:lvl1pPr marL="0" indent="0" algn="ctr">
               <a:buNone/>
-              <a:defRPr>
-                <a:solidFill>
-                  <a:schemeClr val="tx1">
-                    <a:tint val="75000"/>
-                  </a:schemeClr>
-                </a:solidFill>
-              </a:defRPr>
+              <a:defRPr sz="1800"/>
             </a:lvl1pPr>
-            <a:lvl2pPr marL="457200" indent="0" algn="ctr">
-              <a:buNone/>
-              <a:defRPr>
-                <a:solidFill>
-                  <a:schemeClr val="tx1">
-                    <a:tint val="75000"/>
-                  </a:schemeClr>
-                </a:solidFill>
-              </a:defRPr>
+            <a:lvl2pPr marL="342900" indent="0" algn="ctr">
+              <a:buNone/>
+              <a:defRPr sz="1500"/>
             </a:lvl2pPr>
-            <a:lvl3pPr marL="914400" indent="0" algn="ctr">
-              <a:buNone/>
-              <a:defRPr>
-                <a:solidFill>
-                  <a:schemeClr val="tx1">
-                    <a:tint val="75000"/>
-                  </a:schemeClr>
-                </a:solidFill>
-              </a:defRPr>
+            <a:lvl3pPr marL="685800" indent="0" algn="ctr">
+              <a:buNone/>
+              <a:defRPr sz="1350"/>
             </a:lvl3pPr>
-            <a:lvl4pPr marL="1371600" indent="0" algn="ctr">
-              <a:buNone/>
-              <a:defRPr>
-                <a:solidFill>
-                  <a:schemeClr val="tx1">
-                    <a:tint val="75000"/>
-                  </a:schemeClr>
-                </a:solidFill>
-              </a:defRPr>
+            <a:lvl4pPr marL="1028700" indent="0" algn="ctr">
+              <a:buNone/>
+              <a:defRPr sz="1200"/>
             </a:lvl4pPr>
-            <a:lvl5pPr marL="1828800" indent="0" algn="ctr">
-              <a:buNone/>
-              <a:defRPr>
-                <a:solidFill>
-                  <a:schemeClr val="tx1">
-                    <a:tint val="75000"/>
-                  </a:schemeClr>
-                </a:solidFill>
-              </a:defRPr>
+            <a:lvl5pPr marL="1371600" indent="0" algn="ctr">
+              <a:buNone/>
+              <a:defRPr sz="1200"/>
             </a:lvl5pPr>
-            <a:lvl6pPr marL="2286000" indent="0" algn="ctr">
-              <a:buNone/>
-              <a:defRPr>
-                <a:solidFill>
-                  <a:schemeClr val="tx1">
-                    <a:tint val="75000"/>
-                  </a:schemeClr>
-                </a:solidFill>
-              </a:defRPr>
+            <a:lvl6pPr marL="1714500" indent="0" algn="ctr">
+              <a:buNone/>
+              <a:defRPr sz="1200"/>
             </a:lvl6pPr>
-            <a:lvl7pPr marL="2743200" indent="0" algn="ctr">
-              <a:buNone/>
-              <a:defRPr>
-                <a:solidFill>
-                  <a:schemeClr val="tx1">
-                    <a:tint val="75000"/>
-                  </a:schemeClr>
-                </a:solidFill>
-              </a:defRPr>
+            <a:lvl7pPr marL="2057400" indent="0" algn="ctr">
+              <a:buNone/>
+              <a:defRPr sz="1200"/>
             </a:lvl7pPr>
-            <a:lvl8pPr marL="3200400" indent="0" algn="ctr">
-              <a:buNone/>
-              <a:defRPr>
-                <a:solidFill>
-                  <a:schemeClr val="tx1">
-                    <a:tint val="75000"/>
-                  </a:schemeClr>
-                </a:solidFill>
-              </a:defRPr>
+            <a:lvl8pPr marL="2400300" indent="0" algn="ctr">
+              <a:buNone/>
+              <a:defRPr sz="1200"/>
             </a:lvl8pPr>
-            <a:lvl9pPr marL="3657600" indent="0" algn="ctr">
-              <a:buNone/>
-              <a:defRPr>
-                <a:solidFill>
-                  <a:schemeClr val="tx1">
-                    <a:tint val="75000"/>
-                  </a:schemeClr>
-                </a:solidFill>
-              </a:defRPr>
+            <a:lvl9pPr marL="2743200" indent="0" algn="ctr">
+              <a:buNone/>
+              <a:defRPr sz="1200"/>
             </a:lvl9pPr>
           </a:lstStyle>
           <a:p>
             <a:r>
-              <a:rPr lang="en-US" smtClean="0"/>
+              <a:rPr lang="en-US"/>
               <a:t>Click to edit Master subtitle style</a:t>
             </a:r>
-            <a:endParaRPr lang="en-US"/>
-          </a:p>
-        </p:txBody>
-      </p:sp>
-      <p:sp>
-        <p:nvSpPr>
-          <p:cNvPr id="4" name="Date Placeholder 3"/>
+          </a:p>
+        </p:txBody>
+      </p:sp>
+      <p:sp>
+        <p:nvSpPr>
+          <p:cNvPr id="4" name="Date Placeholder 3">
+            <a:extLst>
+              <a:ext uri="{FF2B5EF4-FFF2-40B4-BE49-F238E27FC236}">
+                <a16:creationId xmlns:a16="http://schemas.microsoft.com/office/drawing/2014/main" id="{67B14FCC-5EF6-3B53-90F2-CAB70A498AAC}"/>
+              </a:ext>
+            </a:extLst>
+          </p:cNvPr>
           <p:cNvSpPr>
             <a:spLocks noGrp="1"/>
           </p:cNvSpPr>
@@ -288,7 +283,7 @@
           <a:p>
             <a:fld id="{5BCAD085-E8A6-8845-BD4E-CB4CCA059FC4}" type="datetimeFigureOut">
               <a:rPr lang="en-US" smtClean="0"/>
-              <a:t>1/27/13</a:t>
+              <a:t>2/16/2025</a:t>
             </a:fld>
             <a:endParaRPr lang="en-US"/>
           </a:p>
@@ -296,7 +291,13 @@
       </p:sp>
       <p:sp>
         <p:nvSpPr>
-          <p:cNvPr id="5" name="Footer Placeholder 4"/>
+          <p:cNvPr id="5" name="Footer Placeholder 4">
+            <a:extLst>
+              <a:ext uri="{FF2B5EF4-FFF2-40B4-BE49-F238E27FC236}">
+                <a16:creationId xmlns:a16="http://schemas.microsoft.com/office/drawing/2014/main" id="{8D7D8430-3F6A-AB02-5994-BE3C7281FC2D}"/>
+              </a:ext>
+            </a:extLst>
+          </p:cNvPr>
           <p:cNvSpPr>
             <a:spLocks noGrp="1"/>
           </p:cNvSpPr>
@@ -315,7 +316,13 @@
       </p:sp>
       <p:sp>
         <p:nvSpPr>
-          <p:cNvPr id="6" name="Slide Number Placeholder 5"/>
+          <p:cNvPr id="6" name="Slide Number Placeholder 5">
+            <a:extLst>
+              <a:ext uri="{FF2B5EF4-FFF2-40B4-BE49-F238E27FC236}">
+                <a16:creationId xmlns:a16="http://schemas.microsoft.com/office/drawing/2014/main" id="{DBBC2D7B-4887-294D-9005-1747DE4AB7B8}"/>
+              </a:ext>
+            </a:extLst>
+          </p:cNvPr>
           <p:cNvSpPr>
             <a:spLocks noGrp="1"/>
           </p:cNvSpPr>
@@ -339,7 +346,7 @@
     </p:spTree>
     <p:extLst>
       <p:ext uri="{BB962C8B-B14F-4D97-AF65-F5344CB8AC3E}">
-        <p14:creationId xmlns:p14="http://schemas.microsoft.com/office/powerpoint/2010/main" val="3168075583"/>
+        <p14:creationId xmlns:p14="http://schemas.microsoft.com/office/powerpoint/2010/main" val="44992318"/>
       </p:ext>
     </p:extLst>
   </p:cSld>
@@ -368,7 +375,13 @@
       </p:grpSpPr>
       <p:sp>
         <p:nvSpPr>
-          <p:cNvPr id="2" name="Title 1"/>
+          <p:cNvPr id="2" name="Title 1">
+            <a:extLst>
+              <a:ext uri="{FF2B5EF4-FFF2-40B4-BE49-F238E27FC236}">
+                <a16:creationId xmlns:a16="http://schemas.microsoft.com/office/drawing/2014/main" id="{BDB5E311-85E5-B94C-65FF-594D95C3F6FC}"/>
+              </a:ext>
+            </a:extLst>
+          </p:cNvPr>
           <p:cNvSpPr>
             <a:spLocks noGrp="1"/>
           </p:cNvSpPr>
@@ -382,16 +395,21 @@
           <a:lstStyle/>
           <a:p>
             <a:r>
-              <a:rPr lang="en-US" smtClean="0"/>
+              <a:rPr lang="en-US"/>
               <a:t>Click to edit Master title style</a:t>
             </a:r>
-            <a:endParaRPr lang="en-US"/>
-          </a:p>
-        </p:txBody>
-      </p:sp>
-      <p:sp>
-        <p:nvSpPr>
-          <p:cNvPr id="3" name="Vertical Text Placeholder 2"/>
+          </a:p>
+        </p:txBody>
+      </p:sp>
+      <p:sp>
+        <p:nvSpPr>
+          <p:cNvPr id="3" name="Vertical Text Placeholder 2">
+            <a:extLst>
+              <a:ext uri="{FF2B5EF4-FFF2-40B4-BE49-F238E27FC236}">
+                <a16:creationId xmlns:a16="http://schemas.microsoft.com/office/drawing/2014/main" id="{5E867518-8D1B-4030-3754-03ECA6574812}"/>
+              </a:ext>
+            </a:extLst>
+          </p:cNvPr>
           <p:cNvSpPr>
             <a:spLocks noGrp="1"/>
           </p:cNvSpPr>
@@ -406,44 +424,49 @@
           <a:p>
             <a:pPr lvl="0"/>
             <a:r>
-              <a:rPr lang="en-US" smtClean="0"/>
+              <a:rPr lang="en-US"/>
               <a:t>Click to edit Master text styles</a:t>
             </a:r>
           </a:p>
           <a:p>
             <a:pPr lvl="1"/>
             <a:r>
-              <a:rPr lang="en-US" smtClean="0"/>
+              <a:rPr lang="en-US"/>
               <a:t>Second level</a:t>
             </a:r>
           </a:p>
           <a:p>
             <a:pPr lvl="2"/>
             <a:r>
-              <a:rPr lang="en-US" smtClean="0"/>
+              <a:rPr lang="en-US"/>
               <a:t>Third level</a:t>
             </a:r>
           </a:p>
           <a:p>
             <a:pPr lvl="3"/>
             <a:r>
-              <a:rPr lang="en-US" smtClean="0"/>
+              <a:rPr lang="en-US"/>
               <a:t>Fourth level</a:t>
             </a:r>
           </a:p>
           <a:p>
             <a:pPr lvl="4"/>
             <a:r>
-              <a:rPr lang="en-US" smtClean="0"/>
+              <a:rPr lang="en-US"/>
               <a:t>Fifth level</a:t>
             </a:r>
-            <a:endParaRPr lang="en-US"/>
-          </a:p>
-        </p:txBody>
-      </p:sp>
-      <p:sp>
-        <p:nvSpPr>
-          <p:cNvPr id="4" name="Date Placeholder 3"/>
+          </a:p>
+        </p:txBody>
+      </p:sp>
+      <p:sp>
+        <p:nvSpPr>
+          <p:cNvPr id="4" name="Date Placeholder 3">
+            <a:extLst>
+              <a:ext uri="{FF2B5EF4-FFF2-40B4-BE49-F238E27FC236}">
+                <a16:creationId xmlns:a16="http://schemas.microsoft.com/office/drawing/2014/main" id="{93D81B41-9250-8C38-2BFF-8562C1BB56D9}"/>
+              </a:ext>
+            </a:extLst>
+          </p:cNvPr>
           <p:cNvSpPr>
             <a:spLocks noGrp="1"/>
           </p:cNvSpPr>
@@ -458,7 +481,7 @@
           <a:p>
             <a:fld id="{5BCAD085-E8A6-8845-BD4E-CB4CCA059FC4}" type="datetimeFigureOut">
               <a:rPr lang="en-US" smtClean="0"/>
-              <a:t>1/27/13</a:t>
+              <a:t>2/16/2025</a:t>
             </a:fld>
             <a:endParaRPr lang="en-US"/>
           </a:p>
@@ -466,7 +489,13 @@
       </p:sp>
       <p:sp>
         <p:nvSpPr>
-          <p:cNvPr id="5" name="Footer Placeholder 4"/>
+          <p:cNvPr id="5" name="Footer Placeholder 4">
+            <a:extLst>
+              <a:ext uri="{FF2B5EF4-FFF2-40B4-BE49-F238E27FC236}">
+                <a16:creationId xmlns:a16="http://schemas.microsoft.com/office/drawing/2014/main" id="{AA118521-2686-1155-FC9A-B3761A7EC7F2}"/>
+              </a:ext>
+            </a:extLst>
+          </p:cNvPr>
           <p:cNvSpPr>
             <a:spLocks noGrp="1"/>
           </p:cNvSpPr>
@@ -485,7 +514,13 @@
       </p:sp>
       <p:sp>
         <p:nvSpPr>
-          <p:cNvPr id="6" name="Slide Number Placeholder 5"/>
+          <p:cNvPr id="6" name="Slide Number Placeholder 5">
+            <a:extLst>
+              <a:ext uri="{FF2B5EF4-FFF2-40B4-BE49-F238E27FC236}">
+                <a16:creationId xmlns:a16="http://schemas.microsoft.com/office/drawing/2014/main" id="{C5A492A9-B340-BD79-6377-1394A2F15BA9}"/>
+              </a:ext>
+            </a:extLst>
+          </p:cNvPr>
           <p:cNvSpPr>
             <a:spLocks noGrp="1"/>
           </p:cNvSpPr>
@@ -509,7 +544,7 @@
     </p:spTree>
     <p:extLst>
       <p:ext uri="{BB962C8B-B14F-4D97-AF65-F5344CB8AC3E}">
-        <p14:creationId xmlns:p14="http://schemas.microsoft.com/office/powerpoint/2010/main" val="2910927964"/>
+        <p14:creationId xmlns:p14="http://schemas.microsoft.com/office/powerpoint/2010/main" val="3951525445"/>
       </p:ext>
     </p:extLst>
   </p:cSld>
@@ -538,7 +573,13 @@
       </p:grpSpPr>
       <p:sp>
         <p:nvSpPr>
-          <p:cNvPr id="2" name="Vertical Title 1"/>
+          <p:cNvPr id="2" name="Vertical Title 1">
+            <a:extLst>
+              <a:ext uri="{FF2B5EF4-FFF2-40B4-BE49-F238E27FC236}">
+                <a16:creationId xmlns:a16="http://schemas.microsoft.com/office/drawing/2014/main" id="{7A93544C-AAA4-E926-64D8-3EAF7F14A1A7}"/>
+              </a:ext>
+            </a:extLst>
+          </p:cNvPr>
           <p:cNvSpPr>
             <a:spLocks noGrp="1"/>
           </p:cNvSpPr>
@@ -548,8 +589,8 @@
         </p:nvSpPr>
         <p:spPr>
           <a:xfrm>
-            <a:off x="6629400" y="274638"/>
-            <a:ext cx="2057400" cy="5851525"/>
+            <a:off x="6543675" y="365125"/>
+            <a:ext cx="1971675" cy="5811838"/>
           </a:xfrm>
         </p:spPr>
         <p:txBody>
@@ -557,16 +598,21 @@
           <a:lstStyle/>
           <a:p>
             <a:r>
-              <a:rPr lang="en-US" smtClean="0"/>
+              <a:rPr lang="en-US"/>
               <a:t>Click to edit Master title style</a:t>
             </a:r>
-            <a:endParaRPr lang="en-US"/>
-          </a:p>
-        </p:txBody>
-      </p:sp>
-      <p:sp>
-        <p:nvSpPr>
-          <p:cNvPr id="3" name="Vertical Text Placeholder 2"/>
+          </a:p>
+        </p:txBody>
+      </p:sp>
+      <p:sp>
+        <p:nvSpPr>
+          <p:cNvPr id="3" name="Vertical Text Placeholder 2">
+            <a:extLst>
+              <a:ext uri="{FF2B5EF4-FFF2-40B4-BE49-F238E27FC236}">
+                <a16:creationId xmlns:a16="http://schemas.microsoft.com/office/drawing/2014/main" id="{5AB7501D-B77E-A31C-7C10-9F966A5C9053}"/>
+              </a:ext>
+            </a:extLst>
+          </p:cNvPr>
           <p:cNvSpPr>
             <a:spLocks noGrp="1"/>
           </p:cNvSpPr>
@@ -576,8 +622,8 @@
         </p:nvSpPr>
         <p:spPr>
           <a:xfrm>
-            <a:off x="457200" y="274638"/>
-            <a:ext cx="6019800" cy="5851525"/>
+            <a:off x="628650" y="365125"/>
+            <a:ext cx="5800725" cy="5811838"/>
           </a:xfrm>
         </p:spPr>
         <p:txBody>
@@ -586,44 +632,49 @@
           <a:p>
             <a:pPr lvl="0"/>
             <a:r>
-              <a:rPr lang="en-US" smtClean="0"/>
+              <a:rPr lang="en-US"/>
               <a:t>Click to edit Master text styles</a:t>
             </a:r>
           </a:p>
           <a:p>
             <a:pPr lvl="1"/>
             <a:r>
-              <a:rPr lang="en-US" smtClean="0"/>
+              <a:rPr lang="en-US"/>
               <a:t>Second level</a:t>
             </a:r>
           </a:p>
           <a:p>
             <a:pPr lvl="2"/>
             <a:r>
-              <a:rPr lang="en-US" smtClean="0"/>
+              <a:rPr lang="en-US"/>
               <a:t>Third level</a:t>
             </a:r>
           </a:p>
           <a:p>
             <a:pPr lvl="3"/>
             <a:r>
-              <a:rPr lang="en-US" smtClean="0"/>
+              <a:rPr lang="en-US"/>
               <a:t>Fourth level</a:t>
             </a:r>
           </a:p>
           <a:p>
             <a:pPr lvl="4"/>
             <a:r>
-              <a:rPr lang="en-US" smtClean="0"/>
+              <a:rPr lang="en-US"/>
               <a:t>Fifth level</a:t>
             </a:r>
-            <a:endParaRPr lang="en-US"/>
-          </a:p>
-        </p:txBody>
-      </p:sp>
-      <p:sp>
-        <p:nvSpPr>
-          <p:cNvPr id="4" name="Date Placeholder 3"/>
+          </a:p>
+        </p:txBody>
+      </p:sp>
+      <p:sp>
+        <p:nvSpPr>
+          <p:cNvPr id="4" name="Date Placeholder 3">
+            <a:extLst>
+              <a:ext uri="{FF2B5EF4-FFF2-40B4-BE49-F238E27FC236}">
+                <a16:creationId xmlns:a16="http://schemas.microsoft.com/office/drawing/2014/main" id="{4C3DE19F-E361-CDE4-7795-A4C6504561FF}"/>
+              </a:ext>
+            </a:extLst>
+          </p:cNvPr>
           <p:cNvSpPr>
             <a:spLocks noGrp="1"/>
           </p:cNvSpPr>
@@ -638,7 +689,7 @@
           <a:p>
             <a:fld id="{5BCAD085-E8A6-8845-BD4E-CB4CCA059FC4}" type="datetimeFigureOut">
               <a:rPr lang="en-US" smtClean="0"/>
-              <a:t>1/27/13</a:t>
+              <a:t>2/16/2025</a:t>
             </a:fld>
             <a:endParaRPr lang="en-US"/>
           </a:p>
@@ -646,7 +697,13 @@
       </p:sp>
       <p:sp>
         <p:nvSpPr>
-          <p:cNvPr id="5" name="Footer Placeholder 4"/>
+          <p:cNvPr id="5" name="Footer Placeholder 4">
+            <a:extLst>
+              <a:ext uri="{FF2B5EF4-FFF2-40B4-BE49-F238E27FC236}">
+                <a16:creationId xmlns:a16="http://schemas.microsoft.com/office/drawing/2014/main" id="{03310753-D027-40AA-7408-7F924B2EA601}"/>
+              </a:ext>
+            </a:extLst>
+          </p:cNvPr>
           <p:cNvSpPr>
             <a:spLocks noGrp="1"/>
           </p:cNvSpPr>
@@ -665,7 +722,13 @@
       </p:sp>
       <p:sp>
         <p:nvSpPr>
-          <p:cNvPr id="6" name="Slide Number Placeholder 5"/>
+          <p:cNvPr id="6" name="Slide Number Placeholder 5">
+            <a:extLst>
+              <a:ext uri="{FF2B5EF4-FFF2-40B4-BE49-F238E27FC236}">
+                <a16:creationId xmlns:a16="http://schemas.microsoft.com/office/drawing/2014/main" id="{26BF06BA-14E7-6608-679C-BD6C042D4585}"/>
+              </a:ext>
+            </a:extLst>
+          </p:cNvPr>
           <p:cNvSpPr>
             <a:spLocks noGrp="1"/>
           </p:cNvSpPr>
@@ -689,7 +752,7 @@
     </p:spTree>
     <p:extLst>
       <p:ext uri="{BB962C8B-B14F-4D97-AF65-F5344CB8AC3E}">
-        <p14:creationId xmlns:p14="http://schemas.microsoft.com/office/powerpoint/2010/main" val="3612223792"/>
+        <p14:creationId xmlns:p14="http://schemas.microsoft.com/office/powerpoint/2010/main" val="678491655"/>
       </p:ext>
     </p:extLst>
   </p:cSld>
@@ -718,7 +781,13 @@
       </p:grpSpPr>
       <p:sp>
         <p:nvSpPr>
-          <p:cNvPr id="2" name="Title 1"/>
+          <p:cNvPr id="2" name="Title 1">
+            <a:extLst>
+              <a:ext uri="{FF2B5EF4-FFF2-40B4-BE49-F238E27FC236}">
+                <a16:creationId xmlns:a16="http://schemas.microsoft.com/office/drawing/2014/main" id="{CB42C6BC-B954-1567-D1B5-E29FD96C08A8}"/>
+              </a:ext>
+            </a:extLst>
+          </p:cNvPr>
           <p:cNvSpPr>
             <a:spLocks noGrp="1"/>
           </p:cNvSpPr>
@@ -732,16 +801,21 @@
           <a:lstStyle/>
           <a:p>
             <a:r>
-              <a:rPr lang="en-US" smtClean="0"/>
+              <a:rPr lang="en-US"/>
               <a:t>Click to edit Master title style</a:t>
             </a:r>
-            <a:endParaRPr lang="en-US"/>
-          </a:p>
-        </p:txBody>
-      </p:sp>
-      <p:sp>
-        <p:nvSpPr>
-          <p:cNvPr id="3" name="Content Placeholder 2"/>
+          </a:p>
+        </p:txBody>
+      </p:sp>
+      <p:sp>
+        <p:nvSpPr>
+          <p:cNvPr id="3" name="Content Placeholder 2">
+            <a:extLst>
+              <a:ext uri="{FF2B5EF4-FFF2-40B4-BE49-F238E27FC236}">
+                <a16:creationId xmlns:a16="http://schemas.microsoft.com/office/drawing/2014/main" id="{39C46C91-2EDE-4A4B-8596-74EBFBBAB1BE}"/>
+              </a:ext>
+            </a:extLst>
+          </p:cNvPr>
           <p:cNvSpPr>
             <a:spLocks noGrp="1"/>
           </p:cNvSpPr>
@@ -756,44 +830,49 @@
           <a:p>
             <a:pPr lvl="0"/>
             <a:r>
-              <a:rPr lang="en-US" smtClean="0"/>
+              <a:rPr lang="en-US"/>
               <a:t>Click to edit Master text styles</a:t>
             </a:r>
           </a:p>
           <a:p>
             <a:pPr lvl="1"/>
             <a:r>
-              <a:rPr lang="en-US" smtClean="0"/>
+              <a:rPr lang="en-US"/>
               <a:t>Second level</a:t>
             </a:r>
           </a:p>
           <a:p>
             <a:pPr lvl="2"/>
             <a:r>
-              <a:rPr lang="en-US" smtClean="0"/>
+              <a:rPr lang="en-US"/>
               <a:t>Third level</a:t>
             </a:r>
           </a:p>
           <a:p>
             <a:pPr lvl="3"/>
             <a:r>
-              <a:rPr lang="en-US" smtClean="0"/>
+              <a:rPr lang="en-US"/>
               <a:t>Fourth level</a:t>
             </a:r>
           </a:p>
           <a:p>
             <a:pPr lvl="4"/>
             <a:r>
-              <a:rPr lang="en-US" smtClean="0"/>
+              <a:rPr lang="en-US"/>
               <a:t>Fifth level</a:t>
             </a:r>
-            <a:endParaRPr lang="en-US"/>
-          </a:p>
-        </p:txBody>
-      </p:sp>
-      <p:sp>
-        <p:nvSpPr>
-          <p:cNvPr id="4" name="Date Placeholder 3"/>
+          </a:p>
+        </p:txBody>
+      </p:sp>
+      <p:sp>
+        <p:nvSpPr>
+          <p:cNvPr id="4" name="Date Placeholder 3">
+            <a:extLst>
+              <a:ext uri="{FF2B5EF4-FFF2-40B4-BE49-F238E27FC236}">
+                <a16:creationId xmlns:a16="http://schemas.microsoft.com/office/drawing/2014/main" id="{0AE8C5C6-16EC-DFD9-035B-ED6C8CA6DE93}"/>
+              </a:ext>
+            </a:extLst>
+          </p:cNvPr>
           <p:cNvSpPr>
             <a:spLocks noGrp="1"/>
           </p:cNvSpPr>
@@ -808,7 +887,7 @@
           <a:p>
             <a:fld id="{5BCAD085-E8A6-8845-BD4E-CB4CCA059FC4}" type="datetimeFigureOut">
               <a:rPr lang="en-US" smtClean="0"/>
-              <a:t>1/27/13</a:t>
+              <a:t>2/16/2025</a:t>
             </a:fld>
             <a:endParaRPr lang="en-US"/>
           </a:p>
@@ -816,7 +895,13 @@
       </p:sp>
       <p:sp>
         <p:nvSpPr>
-          <p:cNvPr id="5" name="Footer Placeholder 4"/>
+          <p:cNvPr id="5" name="Footer Placeholder 4">
+            <a:extLst>
+              <a:ext uri="{FF2B5EF4-FFF2-40B4-BE49-F238E27FC236}">
+                <a16:creationId xmlns:a16="http://schemas.microsoft.com/office/drawing/2014/main" id="{666190C8-A3EC-60BF-FD0E-0A2CCF764B46}"/>
+              </a:ext>
+            </a:extLst>
+          </p:cNvPr>
           <p:cNvSpPr>
             <a:spLocks noGrp="1"/>
           </p:cNvSpPr>
@@ -835,7 +920,13 @@
       </p:sp>
       <p:sp>
         <p:nvSpPr>
-          <p:cNvPr id="6" name="Slide Number Placeholder 5"/>
+          <p:cNvPr id="6" name="Slide Number Placeholder 5">
+            <a:extLst>
+              <a:ext uri="{FF2B5EF4-FFF2-40B4-BE49-F238E27FC236}">
+                <a16:creationId xmlns:a16="http://schemas.microsoft.com/office/drawing/2014/main" id="{7F1C98AF-A272-E062-81B0-53E7170A2C86}"/>
+              </a:ext>
+            </a:extLst>
+          </p:cNvPr>
           <p:cNvSpPr>
             <a:spLocks noGrp="1"/>
           </p:cNvSpPr>
@@ -859,7 +950,7 @@
     </p:spTree>
     <p:extLst>
       <p:ext uri="{BB962C8B-B14F-4D97-AF65-F5344CB8AC3E}">
-        <p14:creationId xmlns:p14="http://schemas.microsoft.com/office/powerpoint/2010/main" val="2614314258"/>
+        <p14:creationId xmlns:p14="http://schemas.microsoft.com/office/powerpoint/2010/main" val="1824224253"/>
       </p:ext>
     </p:extLst>
   </p:cSld>
@@ -888,7 +979,13 @@
       </p:grpSpPr>
       <p:sp>
         <p:nvSpPr>
-          <p:cNvPr id="2" name="Title 1"/>
+          <p:cNvPr id="2" name="Title 1">
+            <a:extLst>
+              <a:ext uri="{FF2B5EF4-FFF2-40B4-BE49-F238E27FC236}">
+                <a16:creationId xmlns:a16="http://schemas.microsoft.com/office/drawing/2014/main" id="{A1E82D12-C46E-BEC1-0725-59C801FAC574}"/>
+              </a:ext>
+            </a:extLst>
+          </p:cNvPr>
           <p:cNvSpPr>
             <a:spLocks noGrp="1"/>
           </p:cNvSpPr>
@@ -898,29 +995,34 @@
         </p:nvSpPr>
         <p:spPr>
           <a:xfrm>
-            <a:off x="722313" y="4406900"/>
-            <a:ext cx="7772400" cy="1362075"/>
+            <a:off x="623888" y="1709739"/>
+            <a:ext cx="7886700" cy="2852737"/>
           </a:xfrm>
         </p:spPr>
         <p:txBody>
-          <a:bodyPr anchor="t"/>
+          <a:bodyPr anchor="b"/>
           <a:lstStyle>
-            <a:lvl1pPr algn="l">
-              <a:defRPr sz="4000" b="1" cap="all"/>
+            <a:lvl1pPr>
+              <a:defRPr sz="4500"/>
             </a:lvl1pPr>
           </a:lstStyle>
           <a:p>
             <a:r>
-              <a:rPr lang="en-US" smtClean="0"/>
+              <a:rPr lang="en-US"/>
               <a:t>Click to edit Master title style</a:t>
             </a:r>
-            <a:endParaRPr lang="en-US"/>
-          </a:p>
-        </p:txBody>
-      </p:sp>
-      <p:sp>
-        <p:nvSpPr>
-          <p:cNvPr id="3" name="Text Placeholder 2"/>
+          </a:p>
+        </p:txBody>
+      </p:sp>
+      <p:sp>
+        <p:nvSpPr>
+          <p:cNvPr id="3" name="Text Placeholder 2">
+            <a:extLst>
+              <a:ext uri="{FF2B5EF4-FFF2-40B4-BE49-F238E27FC236}">
+                <a16:creationId xmlns:a16="http://schemas.microsoft.com/office/drawing/2014/main" id="{2CF69DC7-FC3E-1FEF-4464-0AE5925AB244}"/>
+              </a:ext>
+            </a:extLst>
+          </p:cNvPr>
           <p:cNvSpPr>
             <a:spLocks noGrp="1"/>
           </p:cNvSpPr>
@@ -930,99 +1032,99 @@
         </p:nvSpPr>
         <p:spPr>
           <a:xfrm>
-            <a:off x="722313" y="2906713"/>
-            <a:ext cx="7772400" cy="1500187"/>
+            <a:off x="623888" y="4589464"/>
+            <a:ext cx="7886700" cy="1500187"/>
           </a:xfrm>
         </p:spPr>
         <p:txBody>
-          <a:bodyPr anchor="b"/>
+          <a:bodyPr/>
           <a:lstStyle>
             <a:lvl1pPr marL="0" indent="0">
               <a:buNone/>
-              <a:defRPr sz="2000">
+              <a:defRPr sz="1800">
                 <a:solidFill>
                   <a:schemeClr val="tx1">
-                    <a:tint val="75000"/>
+                    <a:tint val="82000"/>
                   </a:schemeClr>
                 </a:solidFill>
               </a:defRPr>
             </a:lvl1pPr>
-            <a:lvl2pPr marL="457200" indent="0">
-              <a:buNone/>
-              <a:defRPr sz="1800">
+            <a:lvl2pPr marL="342900" indent="0">
+              <a:buNone/>
+              <a:defRPr sz="1500">
                 <a:solidFill>
                   <a:schemeClr val="tx1">
-                    <a:tint val="75000"/>
+                    <a:tint val="82000"/>
                   </a:schemeClr>
                 </a:solidFill>
               </a:defRPr>
             </a:lvl2pPr>
-            <a:lvl3pPr marL="914400" indent="0">
-              <a:buNone/>
-              <a:defRPr sz="1600">
+            <a:lvl3pPr marL="685800" indent="0">
+              <a:buNone/>
+              <a:defRPr sz="1350">
                 <a:solidFill>
                   <a:schemeClr val="tx1">
-                    <a:tint val="75000"/>
+                    <a:tint val="82000"/>
                   </a:schemeClr>
                 </a:solidFill>
               </a:defRPr>
             </a:lvl3pPr>
-            <a:lvl4pPr marL="1371600" indent="0">
-              <a:buNone/>
-              <a:defRPr sz="1400">
+            <a:lvl4pPr marL="1028700" indent="0">
+              <a:buNone/>
+              <a:defRPr sz="1200">
                 <a:solidFill>
                   <a:schemeClr val="tx1">
-                    <a:tint val="75000"/>
+                    <a:tint val="82000"/>
                   </a:schemeClr>
                 </a:solidFill>
               </a:defRPr>
             </a:lvl4pPr>
-            <a:lvl5pPr marL="1828800" indent="0">
-              <a:buNone/>
-              <a:defRPr sz="1400">
+            <a:lvl5pPr marL="1371600" indent="0">
+              <a:buNone/>
+              <a:defRPr sz="1200">
                 <a:solidFill>
                   <a:schemeClr val="tx1">
-                    <a:tint val="75000"/>
+                    <a:tint val="82000"/>
                   </a:schemeClr>
                 </a:solidFill>
               </a:defRPr>
             </a:lvl5pPr>
-            <a:lvl6pPr marL="2286000" indent="0">
-              <a:buNone/>
-              <a:defRPr sz="1400">
+            <a:lvl6pPr marL="1714500" indent="0">
+              <a:buNone/>
+              <a:defRPr sz="1200">
                 <a:solidFill>
                   <a:schemeClr val="tx1">
-                    <a:tint val="75000"/>
+                    <a:tint val="82000"/>
                   </a:schemeClr>
                 </a:solidFill>
               </a:defRPr>
             </a:lvl6pPr>
-            <a:lvl7pPr marL="2743200" indent="0">
-              <a:buNone/>
-              <a:defRPr sz="1400">
+            <a:lvl7pPr marL="2057400" indent="0">
+              <a:buNone/>
+              <a:defRPr sz="1200">
                 <a:solidFill>
                   <a:schemeClr val="tx1">
-                    <a:tint val="75000"/>
+                    <a:tint val="82000"/>
                   </a:schemeClr>
                 </a:solidFill>
               </a:defRPr>
             </a:lvl7pPr>
-            <a:lvl8pPr marL="3200400" indent="0">
-              <a:buNone/>
-              <a:defRPr sz="1400">
+            <a:lvl8pPr marL="2400300" indent="0">
+              <a:buNone/>
+              <a:defRPr sz="1200">
                 <a:solidFill>
                   <a:schemeClr val="tx1">
-                    <a:tint val="75000"/>
+                    <a:tint val="82000"/>
                   </a:schemeClr>
                 </a:solidFill>
               </a:defRPr>
             </a:lvl8pPr>
-            <a:lvl9pPr marL="3657600" indent="0">
-              <a:buNone/>
-              <a:defRPr sz="1400">
+            <a:lvl9pPr marL="2743200" indent="0">
+              <a:buNone/>
+              <a:defRPr sz="1200">
                 <a:solidFill>
                   <a:schemeClr val="tx1">
-                    <a:tint val="75000"/>
+                    <a:tint val="82000"/>
                   </a:schemeClr>
                 </a:solidFill>
               </a:defRPr>
@@ -1031,7 +1133,7 @@
           <a:p>
             <a:pPr lvl="0"/>
             <a:r>
-              <a:rPr lang="en-US" smtClean="0"/>
+              <a:rPr lang="en-US"/>
               <a:t>Click to edit Master text styles</a:t>
             </a:r>
           </a:p>
@@ -1039,7 +1141,13 @@
       </p:sp>
       <p:sp>
         <p:nvSpPr>
-          <p:cNvPr id="4" name="Date Placeholder 3"/>
+          <p:cNvPr id="4" name="Date Placeholder 3">
+            <a:extLst>
+              <a:ext uri="{FF2B5EF4-FFF2-40B4-BE49-F238E27FC236}">
+                <a16:creationId xmlns:a16="http://schemas.microsoft.com/office/drawing/2014/main" id="{BE9D12BC-B2FE-ECBD-B239-65900C439A66}"/>
+              </a:ext>
+            </a:extLst>
+          </p:cNvPr>
           <p:cNvSpPr>
             <a:spLocks noGrp="1"/>
           </p:cNvSpPr>
@@ -1054,7 +1162,7 @@
           <a:p>
             <a:fld id="{5BCAD085-E8A6-8845-BD4E-CB4CCA059FC4}" type="datetimeFigureOut">
               <a:rPr lang="en-US" smtClean="0"/>
-              <a:t>1/27/13</a:t>
+              <a:t>2/16/2025</a:t>
             </a:fld>
             <a:endParaRPr lang="en-US"/>
           </a:p>
@@ -1062,7 +1170,13 @@
       </p:sp>
       <p:sp>
         <p:nvSpPr>
-          <p:cNvPr id="5" name="Footer Placeholder 4"/>
+          <p:cNvPr id="5" name="Footer Placeholder 4">
+            <a:extLst>
+              <a:ext uri="{FF2B5EF4-FFF2-40B4-BE49-F238E27FC236}">
+                <a16:creationId xmlns:a16="http://schemas.microsoft.com/office/drawing/2014/main" id="{DFEDB960-89C5-F84B-5045-7D01D50894BA}"/>
+              </a:ext>
+            </a:extLst>
+          </p:cNvPr>
           <p:cNvSpPr>
             <a:spLocks noGrp="1"/>
           </p:cNvSpPr>
@@ -1081,7 +1195,13 @@
       </p:sp>
       <p:sp>
         <p:nvSpPr>
-          <p:cNvPr id="6" name="Slide Number Placeholder 5"/>
+          <p:cNvPr id="6" name="Slide Number Placeholder 5">
+            <a:extLst>
+              <a:ext uri="{FF2B5EF4-FFF2-40B4-BE49-F238E27FC236}">
+                <a16:creationId xmlns:a16="http://schemas.microsoft.com/office/drawing/2014/main" id="{73E2CD47-CD22-08D9-71AB-F1928FEF5966}"/>
+              </a:ext>
+            </a:extLst>
+          </p:cNvPr>
           <p:cNvSpPr>
             <a:spLocks noGrp="1"/>
           </p:cNvSpPr>
@@ -1105,7 +1225,7 @@
     </p:spTree>
     <p:extLst>
       <p:ext uri="{BB962C8B-B14F-4D97-AF65-F5344CB8AC3E}">
-        <p14:creationId xmlns:p14="http://schemas.microsoft.com/office/powerpoint/2010/main" val="960648375"/>
+        <p14:creationId xmlns:p14="http://schemas.microsoft.com/office/powerpoint/2010/main" val="1113612165"/>
       </p:ext>
     </p:extLst>
   </p:cSld>
@@ -1134,7 +1254,13 @@
       </p:grpSpPr>
       <p:sp>
         <p:nvSpPr>
-          <p:cNvPr id="2" name="Title 1"/>
+          <p:cNvPr id="2" name="Title 1">
+            <a:extLst>
+              <a:ext uri="{FF2B5EF4-FFF2-40B4-BE49-F238E27FC236}">
+                <a16:creationId xmlns:a16="http://schemas.microsoft.com/office/drawing/2014/main" id="{E7B97D34-CCD8-F48A-036F-BB75EE118F85}"/>
+              </a:ext>
+            </a:extLst>
+          </p:cNvPr>
           <p:cNvSpPr>
             <a:spLocks noGrp="1"/>
           </p:cNvSpPr>
@@ -1148,16 +1274,21 @@
           <a:lstStyle/>
           <a:p>
             <a:r>
-              <a:rPr lang="en-US" smtClean="0"/>
+              <a:rPr lang="en-US"/>
               <a:t>Click to edit Master title style</a:t>
             </a:r>
-            <a:endParaRPr lang="en-US"/>
-          </a:p>
-        </p:txBody>
-      </p:sp>
-      <p:sp>
-        <p:nvSpPr>
-          <p:cNvPr id="3" name="Content Placeholder 2"/>
+          </a:p>
+        </p:txBody>
+      </p:sp>
+      <p:sp>
+        <p:nvSpPr>
+          <p:cNvPr id="3" name="Content Placeholder 2">
+            <a:extLst>
+              <a:ext uri="{FF2B5EF4-FFF2-40B4-BE49-F238E27FC236}">
+                <a16:creationId xmlns:a16="http://schemas.microsoft.com/office/drawing/2014/main" id="{2E6EBC18-2A4B-22C3-2D3F-92778CC55D17}"/>
+              </a:ext>
+            </a:extLst>
+          </p:cNvPr>
           <p:cNvSpPr>
             <a:spLocks noGrp="1"/>
           </p:cNvSpPr>
@@ -1167,82 +1298,59 @@
         </p:nvSpPr>
         <p:spPr>
           <a:xfrm>
-            <a:off x="457200" y="1600200"/>
-            <a:ext cx="4038600" cy="4525963"/>
+            <a:off x="628650" y="1825625"/>
+            <a:ext cx="3886200" cy="4351338"/>
           </a:xfrm>
         </p:spPr>
         <p:txBody>
           <a:bodyPr/>
-          <a:lstStyle>
-            <a:lvl1pPr>
-              <a:defRPr sz="2800"/>
-            </a:lvl1pPr>
-            <a:lvl2pPr>
-              <a:defRPr sz="2400"/>
-            </a:lvl2pPr>
-            <a:lvl3pPr>
-              <a:defRPr sz="2000"/>
-            </a:lvl3pPr>
-            <a:lvl4pPr>
-              <a:defRPr sz="1800"/>
-            </a:lvl4pPr>
-            <a:lvl5pPr>
-              <a:defRPr sz="1800"/>
-            </a:lvl5pPr>
-            <a:lvl6pPr>
-              <a:defRPr sz="1800"/>
-            </a:lvl6pPr>
-            <a:lvl7pPr>
-              <a:defRPr sz="1800"/>
-            </a:lvl7pPr>
-            <a:lvl8pPr>
-              <a:defRPr sz="1800"/>
-            </a:lvl8pPr>
-            <a:lvl9pPr>
-              <a:defRPr sz="1800"/>
-            </a:lvl9pPr>
-          </a:lstStyle>
+          <a:lstStyle/>
           <a:p>
             <a:pPr lvl="0"/>
             <a:r>
-              <a:rPr lang="en-US" smtClean="0"/>
+              <a:rPr lang="en-US"/>
               <a:t>Click to edit Master text styles</a:t>
             </a:r>
           </a:p>
           <a:p>
             <a:pPr lvl="1"/>
             <a:r>
-              <a:rPr lang="en-US" smtClean="0"/>
+              <a:rPr lang="en-US"/>
               <a:t>Second level</a:t>
             </a:r>
           </a:p>
           <a:p>
             <a:pPr lvl="2"/>
             <a:r>
-              <a:rPr lang="en-US" smtClean="0"/>
+              <a:rPr lang="en-US"/>
               <a:t>Third level</a:t>
             </a:r>
           </a:p>
           <a:p>
             <a:pPr lvl="3"/>
             <a:r>
-              <a:rPr lang="en-US" smtClean="0"/>
+              <a:rPr lang="en-US"/>
               <a:t>Fourth level</a:t>
             </a:r>
           </a:p>
           <a:p>
             <a:pPr lvl="4"/>
             <a:r>
-              <a:rPr lang="en-US" smtClean="0"/>
+              <a:rPr lang="en-US"/>
               <a:t>Fifth level</a:t>
             </a:r>
-            <a:endParaRPr lang="en-US"/>
-          </a:p>
-        </p:txBody>
-      </p:sp>
-      <p:sp>
-        <p:nvSpPr>
-          <p:cNvPr id="4" name="Content Placeholder 3"/>
+          </a:p>
+        </p:txBody>
+      </p:sp>
+      <p:sp>
+        <p:nvSpPr>
+          <p:cNvPr id="4" name="Content Placeholder 3">
+            <a:extLst>
+              <a:ext uri="{FF2B5EF4-FFF2-40B4-BE49-F238E27FC236}">
+                <a16:creationId xmlns:a16="http://schemas.microsoft.com/office/drawing/2014/main" id="{38DD6CD7-05AB-13DA-8D4E-380AAAF2388B}"/>
+              </a:ext>
+            </a:extLst>
+          </p:cNvPr>
           <p:cNvSpPr>
             <a:spLocks noGrp="1"/>
           </p:cNvSpPr>
@@ -1252,82 +1360,59 @@
         </p:nvSpPr>
         <p:spPr>
           <a:xfrm>
-            <a:off x="4648200" y="1600200"/>
-            <a:ext cx="4038600" cy="4525963"/>
+            <a:off x="4629150" y="1825625"/>
+            <a:ext cx="3886200" cy="4351338"/>
           </a:xfrm>
         </p:spPr>
         <p:txBody>
           <a:bodyPr/>
-          <a:lstStyle>
-            <a:lvl1pPr>
-              <a:defRPr sz="2800"/>
-            </a:lvl1pPr>
-            <a:lvl2pPr>
-              <a:defRPr sz="2400"/>
-            </a:lvl2pPr>
-            <a:lvl3pPr>
-              <a:defRPr sz="2000"/>
-            </a:lvl3pPr>
-            <a:lvl4pPr>
-              <a:defRPr sz="1800"/>
-            </a:lvl4pPr>
-            <a:lvl5pPr>
-              <a:defRPr sz="1800"/>
-            </a:lvl5pPr>
-            <a:lvl6pPr>
-              <a:defRPr sz="1800"/>
-            </a:lvl6pPr>
-            <a:lvl7pPr>
-              <a:defRPr sz="1800"/>
-            </a:lvl7pPr>
-            <a:lvl8pPr>
-              <a:defRPr sz="1800"/>
-            </a:lvl8pPr>
-            <a:lvl9pPr>
-              <a:defRPr sz="1800"/>
-            </a:lvl9pPr>
-          </a:lstStyle>
+          <a:lstStyle/>
           <a:p>
             <a:pPr lvl="0"/>
             <a:r>
-              <a:rPr lang="en-US" smtClean="0"/>
+              <a:rPr lang="en-US"/>
               <a:t>Click to edit Master text styles</a:t>
             </a:r>
           </a:p>
           <a:p>
             <a:pPr lvl="1"/>
             <a:r>
-              <a:rPr lang="en-US" smtClean="0"/>
+              <a:rPr lang="en-US"/>
               <a:t>Second level</a:t>
             </a:r>
           </a:p>
           <a:p>
             <a:pPr lvl="2"/>
             <a:r>
-              <a:rPr lang="en-US" smtClean="0"/>
+              <a:rPr lang="en-US"/>
               <a:t>Third level</a:t>
             </a:r>
           </a:p>
           <a:p>
             <a:pPr lvl="3"/>
             <a:r>
-              <a:rPr lang="en-US" smtClean="0"/>
+              <a:rPr lang="en-US"/>
               <a:t>Fourth level</a:t>
             </a:r>
           </a:p>
           <a:p>
             <a:pPr lvl="4"/>
             <a:r>
-              <a:rPr lang="en-US" smtClean="0"/>
+              <a:rPr lang="en-US"/>
               <a:t>Fifth level</a:t>
             </a:r>
-            <a:endParaRPr lang="en-US"/>
-          </a:p>
-        </p:txBody>
-      </p:sp>
-      <p:sp>
-        <p:nvSpPr>
-          <p:cNvPr id="5" name="Date Placeholder 4"/>
+          </a:p>
+        </p:txBody>
+      </p:sp>
+      <p:sp>
+        <p:nvSpPr>
+          <p:cNvPr id="5" name="Date Placeholder 4">
+            <a:extLst>
+              <a:ext uri="{FF2B5EF4-FFF2-40B4-BE49-F238E27FC236}">
+                <a16:creationId xmlns:a16="http://schemas.microsoft.com/office/drawing/2014/main" id="{E834EE35-7E61-98B5-B720-50AD7DA6F403}"/>
+              </a:ext>
+            </a:extLst>
+          </p:cNvPr>
           <p:cNvSpPr>
             <a:spLocks noGrp="1"/>
           </p:cNvSpPr>
@@ -1342,7 +1427,7 @@
           <a:p>
             <a:fld id="{5BCAD085-E8A6-8845-BD4E-CB4CCA059FC4}" type="datetimeFigureOut">
               <a:rPr lang="en-US" smtClean="0"/>
-              <a:t>1/27/13</a:t>
+              <a:t>2/16/2025</a:t>
             </a:fld>
             <a:endParaRPr lang="en-US"/>
           </a:p>
@@ -1350,7 +1435,13 @@
       </p:sp>
       <p:sp>
         <p:nvSpPr>
-          <p:cNvPr id="6" name="Footer Placeholder 5"/>
+          <p:cNvPr id="6" name="Footer Placeholder 5">
+            <a:extLst>
+              <a:ext uri="{FF2B5EF4-FFF2-40B4-BE49-F238E27FC236}">
+                <a16:creationId xmlns:a16="http://schemas.microsoft.com/office/drawing/2014/main" id="{133BC4D4-405C-70DE-4FB9-5F537DEE0450}"/>
+              </a:ext>
+            </a:extLst>
+          </p:cNvPr>
           <p:cNvSpPr>
             <a:spLocks noGrp="1"/>
           </p:cNvSpPr>
@@ -1369,7 +1460,13 @@
       </p:sp>
       <p:sp>
         <p:nvSpPr>
-          <p:cNvPr id="7" name="Slide Number Placeholder 6"/>
+          <p:cNvPr id="7" name="Slide Number Placeholder 6">
+            <a:extLst>
+              <a:ext uri="{FF2B5EF4-FFF2-40B4-BE49-F238E27FC236}">
+                <a16:creationId xmlns:a16="http://schemas.microsoft.com/office/drawing/2014/main" id="{703D01D6-1B3F-2A4B-FA61-E0A47A8ED70B}"/>
+              </a:ext>
+            </a:extLst>
+          </p:cNvPr>
           <p:cNvSpPr>
             <a:spLocks noGrp="1"/>
           </p:cNvSpPr>
@@ -1393,7 +1490,7 @@
     </p:spTree>
     <p:extLst>
       <p:ext uri="{BB962C8B-B14F-4D97-AF65-F5344CB8AC3E}">
-        <p14:creationId xmlns:p14="http://schemas.microsoft.com/office/powerpoint/2010/main" val="2782244947"/>
+        <p14:creationId xmlns:p14="http://schemas.microsoft.com/office/powerpoint/2010/main" val="275397408"/>
       </p:ext>
     </p:extLst>
   </p:cSld>
@@ -1422,45 +1519,57 @@
       </p:grpSpPr>
       <p:sp>
         <p:nvSpPr>
-          <p:cNvPr id="2" name="Title 1"/>
+          <p:cNvPr id="2" name="Title 1">
+            <a:extLst>
+              <a:ext uri="{FF2B5EF4-FFF2-40B4-BE49-F238E27FC236}">
+                <a16:creationId xmlns:a16="http://schemas.microsoft.com/office/drawing/2014/main" id="{96A520DF-4900-F325-3112-F6E1C3FEBDC2}"/>
+              </a:ext>
+            </a:extLst>
+          </p:cNvPr>
           <p:cNvSpPr>
             <a:spLocks noGrp="1"/>
           </p:cNvSpPr>
           <p:nvPr>
             <p:ph type="title"/>
-          </p:nvPr>
-        </p:nvSpPr>
-        <p:spPr/>
-        <p:txBody>
-          <a:bodyPr/>
-          <a:lstStyle>
-            <a:lvl1pPr>
-              <a:defRPr/>
-            </a:lvl1pPr>
-          </a:lstStyle>
-          <a:p>
-            <a:r>
-              <a:rPr lang="en-US" smtClean="0"/>
-              <a:t>Click to edit Master title style</a:t>
-            </a:r>
-            <a:endParaRPr lang="en-US"/>
-          </a:p>
-        </p:txBody>
-      </p:sp>
-      <p:sp>
-        <p:nvSpPr>
-          <p:cNvPr id="3" name="Text Placeholder 2"/>
-          <p:cNvSpPr>
-            <a:spLocks noGrp="1"/>
-          </p:cNvSpPr>
-          <p:nvPr>
-            <p:ph type="body" idx="1"/>
           </p:nvPr>
         </p:nvSpPr>
         <p:spPr>
           <a:xfrm>
-            <a:off x="457200" y="1535113"/>
-            <a:ext cx="4040188" cy="639762"/>
+            <a:off x="629841" y="365126"/>
+            <a:ext cx="7886700" cy="1325563"/>
+          </a:xfrm>
+        </p:spPr>
+        <p:txBody>
+          <a:bodyPr/>
+          <a:lstStyle/>
+          <a:p>
+            <a:r>
+              <a:rPr lang="en-US"/>
+              <a:t>Click to edit Master title style</a:t>
+            </a:r>
+          </a:p>
+        </p:txBody>
+      </p:sp>
+      <p:sp>
+        <p:nvSpPr>
+          <p:cNvPr id="3" name="Text Placeholder 2">
+            <a:extLst>
+              <a:ext uri="{FF2B5EF4-FFF2-40B4-BE49-F238E27FC236}">
+                <a16:creationId xmlns:a16="http://schemas.microsoft.com/office/drawing/2014/main" id="{E9716719-18FA-1E7B-AA41-43DE4479C3B8}"/>
+              </a:ext>
+            </a:extLst>
+          </p:cNvPr>
+          <p:cNvSpPr>
+            <a:spLocks noGrp="1"/>
+          </p:cNvSpPr>
+          <p:nvPr>
+            <p:ph type="body" idx="1"/>
+          </p:nvPr>
+        </p:nvSpPr>
+        <p:spPr>
+          <a:xfrm>
+            <a:off x="629842" y="1681163"/>
+            <a:ext cx="3868340" cy="823912"/>
           </a:xfrm>
         </p:spPr>
         <p:txBody>
@@ -1468,45 +1577,45 @@
           <a:lstStyle>
             <a:lvl1pPr marL="0" indent="0">
               <a:buNone/>
-              <a:defRPr sz="2400" b="1"/>
+              <a:defRPr sz="1800" b="1"/>
             </a:lvl1pPr>
-            <a:lvl2pPr marL="457200" indent="0">
-              <a:buNone/>
-              <a:defRPr sz="2000" b="1"/>
+            <a:lvl2pPr marL="342900" indent="0">
+              <a:buNone/>
+              <a:defRPr sz="1500" b="1"/>
             </a:lvl2pPr>
-            <a:lvl3pPr marL="914400" indent="0">
-              <a:buNone/>
-              <a:defRPr sz="1800" b="1"/>
+            <a:lvl3pPr marL="685800" indent="0">
+              <a:buNone/>
+              <a:defRPr sz="1350" b="1"/>
             </a:lvl3pPr>
-            <a:lvl4pPr marL="1371600" indent="0">
-              <a:buNone/>
-              <a:defRPr sz="1600" b="1"/>
+            <a:lvl4pPr marL="1028700" indent="0">
+              <a:buNone/>
+              <a:defRPr sz="1200" b="1"/>
             </a:lvl4pPr>
-            <a:lvl5pPr marL="1828800" indent="0">
-              <a:buNone/>
-              <a:defRPr sz="1600" b="1"/>
+            <a:lvl5pPr marL="1371600" indent="0">
+              <a:buNone/>
+              <a:defRPr sz="1200" b="1"/>
             </a:lvl5pPr>
-            <a:lvl6pPr marL="2286000" indent="0">
-              <a:buNone/>
-              <a:defRPr sz="1600" b="1"/>
+            <a:lvl6pPr marL="1714500" indent="0">
+              <a:buNone/>
+              <a:defRPr sz="1200" b="1"/>
             </a:lvl6pPr>
-            <a:lvl7pPr marL="2743200" indent="0">
-              <a:buNone/>
-              <a:defRPr sz="1600" b="1"/>
+            <a:lvl7pPr marL="2057400" indent="0">
+              <a:buNone/>
+              <a:defRPr sz="1200" b="1"/>
             </a:lvl7pPr>
-            <a:lvl8pPr marL="3200400" indent="0">
-              <a:buNone/>
-              <a:defRPr sz="1600" b="1"/>
+            <a:lvl8pPr marL="2400300" indent="0">
+              <a:buNone/>
+              <a:defRPr sz="1200" b="1"/>
             </a:lvl8pPr>
-            <a:lvl9pPr marL="3657600" indent="0">
-              <a:buNone/>
-              <a:defRPr sz="1600" b="1"/>
+            <a:lvl9pPr marL="2743200" indent="0">
+              <a:buNone/>
+              <a:defRPr sz="1200" b="1"/>
             </a:lvl9pPr>
           </a:lstStyle>
           <a:p>
             <a:pPr lvl="0"/>
             <a:r>
-              <a:rPr lang="en-US" smtClean="0"/>
+              <a:rPr lang="en-US"/>
               <a:t>Click to edit Master text styles</a:t>
             </a:r>
           </a:p>
@@ -1514,7 +1623,13 @@
       </p:sp>
       <p:sp>
         <p:nvSpPr>
-          <p:cNvPr id="4" name="Content Placeholder 3"/>
+          <p:cNvPr id="4" name="Content Placeholder 3">
+            <a:extLst>
+              <a:ext uri="{FF2B5EF4-FFF2-40B4-BE49-F238E27FC236}">
+                <a16:creationId xmlns:a16="http://schemas.microsoft.com/office/drawing/2014/main" id="{04DD31A0-E923-6032-FEB3-D4B51DCA0877}"/>
+              </a:ext>
+            </a:extLst>
+          </p:cNvPr>
           <p:cNvSpPr>
             <a:spLocks noGrp="1"/>
           </p:cNvSpPr>
@@ -1524,82 +1639,59 @@
         </p:nvSpPr>
         <p:spPr>
           <a:xfrm>
-            <a:off x="457200" y="2174875"/>
-            <a:ext cx="4040188" cy="3951288"/>
+            <a:off x="629842" y="2505075"/>
+            <a:ext cx="3868340" cy="3684588"/>
           </a:xfrm>
         </p:spPr>
         <p:txBody>
           <a:bodyPr/>
-          <a:lstStyle>
-            <a:lvl1pPr>
-              <a:defRPr sz="2400"/>
-            </a:lvl1pPr>
-            <a:lvl2pPr>
-              <a:defRPr sz="2000"/>
-            </a:lvl2pPr>
-            <a:lvl3pPr>
-              <a:defRPr sz="1800"/>
-            </a:lvl3pPr>
-            <a:lvl4pPr>
-              <a:defRPr sz="1600"/>
-            </a:lvl4pPr>
-            <a:lvl5pPr>
-              <a:defRPr sz="1600"/>
-            </a:lvl5pPr>
-            <a:lvl6pPr>
-              <a:defRPr sz="1600"/>
-            </a:lvl6pPr>
-            <a:lvl7pPr>
-              <a:defRPr sz="1600"/>
-            </a:lvl7pPr>
-            <a:lvl8pPr>
-              <a:defRPr sz="1600"/>
-            </a:lvl8pPr>
-            <a:lvl9pPr>
-              <a:defRPr sz="1600"/>
-            </a:lvl9pPr>
-          </a:lstStyle>
+          <a:lstStyle/>
           <a:p>
             <a:pPr lvl="0"/>
             <a:r>
-              <a:rPr lang="en-US" smtClean="0"/>
+              <a:rPr lang="en-US"/>
               <a:t>Click to edit Master text styles</a:t>
             </a:r>
           </a:p>
           <a:p>
             <a:pPr lvl="1"/>
             <a:r>
-              <a:rPr lang="en-US" smtClean="0"/>
+              <a:rPr lang="en-US"/>
               <a:t>Second level</a:t>
             </a:r>
           </a:p>
           <a:p>
             <a:pPr lvl="2"/>
             <a:r>
-              <a:rPr lang="en-US" smtClean="0"/>
+              <a:rPr lang="en-US"/>
               <a:t>Third level</a:t>
             </a:r>
           </a:p>
           <a:p>
             <a:pPr lvl="3"/>
             <a:r>
-              <a:rPr lang="en-US" smtClean="0"/>
+              <a:rPr lang="en-US"/>
               <a:t>Fourth level</a:t>
             </a:r>
           </a:p>
           <a:p>
             <a:pPr lvl="4"/>
             <a:r>
-              <a:rPr lang="en-US" smtClean="0"/>
+              <a:rPr lang="en-US"/>
               <a:t>Fifth level</a:t>
             </a:r>
-            <a:endParaRPr lang="en-US"/>
-          </a:p>
-        </p:txBody>
-      </p:sp>
-      <p:sp>
-        <p:nvSpPr>
-          <p:cNvPr id="5" name="Text Placeholder 4"/>
+          </a:p>
+        </p:txBody>
+      </p:sp>
+      <p:sp>
+        <p:nvSpPr>
+          <p:cNvPr id="5" name="Text Placeholder 4">
+            <a:extLst>
+              <a:ext uri="{FF2B5EF4-FFF2-40B4-BE49-F238E27FC236}">
+                <a16:creationId xmlns:a16="http://schemas.microsoft.com/office/drawing/2014/main" id="{20B3BB1D-9852-D750-4B02-A35FBF4831A8}"/>
+              </a:ext>
+            </a:extLst>
+          </p:cNvPr>
           <p:cNvSpPr>
             <a:spLocks noGrp="1"/>
           </p:cNvSpPr>
@@ -1609,8 +1701,8 @@
         </p:nvSpPr>
         <p:spPr>
           <a:xfrm>
-            <a:off x="4645025" y="1535113"/>
-            <a:ext cx="4041775" cy="639762"/>
+            <a:off x="4629150" y="1681163"/>
+            <a:ext cx="3887391" cy="823912"/>
           </a:xfrm>
         </p:spPr>
         <p:txBody>
@@ -1618,45 +1710,45 @@
           <a:lstStyle>
             <a:lvl1pPr marL="0" indent="0">
               <a:buNone/>
-              <a:defRPr sz="2400" b="1"/>
+              <a:defRPr sz="1800" b="1"/>
             </a:lvl1pPr>
-            <a:lvl2pPr marL="457200" indent="0">
-              <a:buNone/>
-              <a:defRPr sz="2000" b="1"/>
+            <a:lvl2pPr marL="342900" indent="0">
+              <a:buNone/>
+              <a:defRPr sz="1500" b="1"/>
             </a:lvl2pPr>
-            <a:lvl3pPr marL="914400" indent="0">
-              <a:buNone/>
-              <a:defRPr sz="1800" b="1"/>
+            <a:lvl3pPr marL="685800" indent="0">
+              <a:buNone/>
+              <a:defRPr sz="1350" b="1"/>
             </a:lvl3pPr>
-            <a:lvl4pPr marL="1371600" indent="0">
-              <a:buNone/>
-              <a:defRPr sz="1600" b="1"/>
+            <a:lvl4pPr marL="1028700" indent="0">
+              <a:buNone/>
+              <a:defRPr sz="1200" b="1"/>
             </a:lvl4pPr>
-            <a:lvl5pPr marL="1828800" indent="0">
-              <a:buNone/>
-              <a:defRPr sz="1600" b="1"/>
+            <a:lvl5pPr marL="1371600" indent="0">
+              <a:buNone/>
+              <a:defRPr sz="1200" b="1"/>
             </a:lvl5pPr>
-            <a:lvl6pPr marL="2286000" indent="0">
-              <a:buNone/>
-              <a:defRPr sz="1600" b="1"/>
+            <a:lvl6pPr marL="1714500" indent="0">
+              <a:buNone/>
+              <a:defRPr sz="1200" b="1"/>
             </a:lvl6pPr>
-            <a:lvl7pPr marL="2743200" indent="0">
-              <a:buNone/>
-              <a:defRPr sz="1600" b="1"/>
+            <a:lvl7pPr marL="2057400" indent="0">
+              <a:buNone/>
+              <a:defRPr sz="1200" b="1"/>
             </a:lvl7pPr>
-            <a:lvl8pPr marL="3200400" indent="0">
-              <a:buNone/>
-              <a:defRPr sz="1600" b="1"/>
+            <a:lvl8pPr marL="2400300" indent="0">
+              <a:buNone/>
+              <a:defRPr sz="1200" b="1"/>
             </a:lvl8pPr>
-            <a:lvl9pPr marL="3657600" indent="0">
-              <a:buNone/>
-              <a:defRPr sz="1600" b="1"/>
+            <a:lvl9pPr marL="2743200" indent="0">
+              <a:buNone/>
+              <a:defRPr sz="1200" b="1"/>
             </a:lvl9pPr>
           </a:lstStyle>
           <a:p>
             <a:pPr lvl="0"/>
             <a:r>
-              <a:rPr lang="en-US" smtClean="0"/>
+              <a:rPr lang="en-US"/>
               <a:t>Click to edit Master text styles</a:t>
             </a:r>
           </a:p>
@@ -1664,7 +1756,13 @@
       </p:sp>
       <p:sp>
         <p:nvSpPr>
-          <p:cNvPr id="6" name="Content Placeholder 5"/>
+          <p:cNvPr id="6" name="Content Placeholder 5">
+            <a:extLst>
+              <a:ext uri="{FF2B5EF4-FFF2-40B4-BE49-F238E27FC236}">
+                <a16:creationId xmlns:a16="http://schemas.microsoft.com/office/drawing/2014/main" id="{DD1C1337-9194-1262-2806-6EDC7A7C41F1}"/>
+              </a:ext>
+            </a:extLst>
+          </p:cNvPr>
           <p:cNvSpPr>
             <a:spLocks noGrp="1"/>
           </p:cNvSpPr>
@@ -1674,82 +1772,59 @@
         </p:nvSpPr>
         <p:spPr>
           <a:xfrm>
-            <a:off x="4645025" y="2174875"/>
-            <a:ext cx="4041775" cy="3951288"/>
+            <a:off x="4629150" y="2505075"/>
+            <a:ext cx="3887391" cy="3684588"/>
           </a:xfrm>
         </p:spPr>
         <p:txBody>
           <a:bodyPr/>
-          <a:lstStyle>
-            <a:lvl1pPr>
-              <a:defRPr sz="2400"/>
-            </a:lvl1pPr>
-            <a:lvl2pPr>
-              <a:defRPr sz="2000"/>
-            </a:lvl2pPr>
-            <a:lvl3pPr>
-              <a:defRPr sz="1800"/>
-            </a:lvl3pPr>
-            <a:lvl4pPr>
-              <a:defRPr sz="1600"/>
-            </a:lvl4pPr>
-            <a:lvl5pPr>
-              <a:defRPr sz="1600"/>
-            </a:lvl5pPr>
-            <a:lvl6pPr>
-              <a:defRPr sz="1600"/>
-            </a:lvl6pPr>
-            <a:lvl7pPr>
-              <a:defRPr sz="1600"/>
-            </a:lvl7pPr>
-            <a:lvl8pPr>
-              <a:defRPr sz="1600"/>
-            </a:lvl8pPr>
-            <a:lvl9pPr>
-              <a:defRPr sz="1600"/>
-            </a:lvl9pPr>
-          </a:lstStyle>
+          <a:lstStyle/>
           <a:p>
             <a:pPr lvl="0"/>
             <a:r>
-              <a:rPr lang="en-US" smtClean="0"/>
+              <a:rPr lang="en-US"/>
               <a:t>Click to edit Master text styles</a:t>
             </a:r>
           </a:p>
           <a:p>
             <a:pPr lvl="1"/>
             <a:r>
-              <a:rPr lang="en-US" smtClean="0"/>
+              <a:rPr lang="en-US"/>
               <a:t>Second level</a:t>
             </a:r>
           </a:p>
           <a:p>
             <a:pPr lvl="2"/>
             <a:r>
-              <a:rPr lang="en-US" smtClean="0"/>
+              <a:rPr lang="en-US"/>
               <a:t>Third level</a:t>
             </a:r>
           </a:p>
           <a:p>
             <a:pPr lvl="3"/>
             <a:r>
-              <a:rPr lang="en-US" smtClean="0"/>
+              <a:rPr lang="en-US"/>
               <a:t>Fourth level</a:t>
             </a:r>
           </a:p>
           <a:p>
             <a:pPr lvl="4"/>
             <a:r>
-              <a:rPr lang="en-US" smtClean="0"/>
+              <a:rPr lang="en-US"/>
               <a:t>Fifth level</a:t>
             </a:r>
-            <a:endParaRPr lang="en-US"/>
-          </a:p>
-        </p:txBody>
-      </p:sp>
-      <p:sp>
-        <p:nvSpPr>
-          <p:cNvPr id="7" name="Date Placeholder 6"/>
+          </a:p>
+        </p:txBody>
+      </p:sp>
+      <p:sp>
+        <p:nvSpPr>
+          <p:cNvPr id="7" name="Date Placeholder 6">
+            <a:extLst>
+              <a:ext uri="{FF2B5EF4-FFF2-40B4-BE49-F238E27FC236}">
+                <a16:creationId xmlns:a16="http://schemas.microsoft.com/office/drawing/2014/main" id="{E83A2757-6110-CEDF-7909-1F81270E3D16}"/>
+              </a:ext>
+            </a:extLst>
+          </p:cNvPr>
           <p:cNvSpPr>
             <a:spLocks noGrp="1"/>
           </p:cNvSpPr>
@@ -1764,7 +1839,7 @@
           <a:p>
             <a:fld id="{5BCAD085-E8A6-8845-BD4E-CB4CCA059FC4}" type="datetimeFigureOut">
               <a:rPr lang="en-US" smtClean="0"/>
-              <a:t>1/27/13</a:t>
+              <a:t>2/16/2025</a:t>
             </a:fld>
             <a:endParaRPr lang="en-US"/>
           </a:p>
@@ -1772,7 +1847,13 @@
       </p:sp>
       <p:sp>
         <p:nvSpPr>
-          <p:cNvPr id="8" name="Footer Placeholder 7"/>
+          <p:cNvPr id="8" name="Footer Placeholder 7">
+            <a:extLst>
+              <a:ext uri="{FF2B5EF4-FFF2-40B4-BE49-F238E27FC236}">
+                <a16:creationId xmlns:a16="http://schemas.microsoft.com/office/drawing/2014/main" id="{F051373D-E99F-816F-FE37-1203C6AB7E16}"/>
+              </a:ext>
+            </a:extLst>
+          </p:cNvPr>
           <p:cNvSpPr>
             <a:spLocks noGrp="1"/>
           </p:cNvSpPr>
@@ -1791,7 +1872,13 @@
       </p:sp>
       <p:sp>
         <p:nvSpPr>
-          <p:cNvPr id="9" name="Slide Number Placeholder 8"/>
+          <p:cNvPr id="9" name="Slide Number Placeholder 8">
+            <a:extLst>
+              <a:ext uri="{FF2B5EF4-FFF2-40B4-BE49-F238E27FC236}">
+                <a16:creationId xmlns:a16="http://schemas.microsoft.com/office/drawing/2014/main" id="{2F4DA2F9-5671-72F8-ED75-0DE185504723}"/>
+              </a:ext>
+            </a:extLst>
+          </p:cNvPr>
           <p:cNvSpPr>
             <a:spLocks noGrp="1"/>
           </p:cNvSpPr>
@@ -1815,7 +1902,7 @@
     </p:spTree>
     <p:extLst>
       <p:ext uri="{BB962C8B-B14F-4D97-AF65-F5344CB8AC3E}">
-        <p14:creationId xmlns:p14="http://schemas.microsoft.com/office/powerpoint/2010/main" val="990158736"/>
+        <p14:creationId xmlns:p14="http://schemas.microsoft.com/office/powerpoint/2010/main" val="1193220422"/>
       </p:ext>
     </p:extLst>
   </p:cSld>
@@ -1844,7 +1931,13 @@
       </p:grpSpPr>
       <p:sp>
         <p:nvSpPr>
-          <p:cNvPr id="2" name="Title 1"/>
+          <p:cNvPr id="2" name="Title 1">
+            <a:extLst>
+              <a:ext uri="{FF2B5EF4-FFF2-40B4-BE49-F238E27FC236}">
+                <a16:creationId xmlns:a16="http://schemas.microsoft.com/office/drawing/2014/main" id="{EEF4C851-6CC6-B3DA-A4B8-D5C736841D63}"/>
+              </a:ext>
+            </a:extLst>
+          </p:cNvPr>
           <p:cNvSpPr>
             <a:spLocks noGrp="1"/>
           </p:cNvSpPr>
@@ -1858,16 +1951,21 @@
           <a:lstStyle/>
           <a:p>
             <a:r>
-              <a:rPr lang="en-US" smtClean="0"/>
+              <a:rPr lang="en-US"/>
               <a:t>Click to edit Master title style</a:t>
             </a:r>
-            <a:endParaRPr lang="en-US"/>
-          </a:p>
-        </p:txBody>
-      </p:sp>
-      <p:sp>
-        <p:nvSpPr>
-          <p:cNvPr id="3" name="Date Placeholder 2"/>
+          </a:p>
+        </p:txBody>
+      </p:sp>
+      <p:sp>
+        <p:nvSpPr>
+          <p:cNvPr id="3" name="Date Placeholder 2">
+            <a:extLst>
+              <a:ext uri="{FF2B5EF4-FFF2-40B4-BE49-F238E27FC236}">
+                <a16:creationId xmlns:a16="http://schemas.microsoft.com/office/drawing/2014/main" id="{AF8EF8F0-7B27-D2FF-3514-F552827C2778}"/>
+              </a:ext>
+            </a:extLst>
+          </p:cNvPr>
           <p:cNvSpPr>
             <a:spLocks noGrp="1"/>
           </p:cNvSpPr>
@@ -1882,7 +1980,7 @@
           <a:p>
             <a:fld id="{5BCAD085-E8A6-8845-BD4E-CB4CCA059FC4}" type="datetimeFigureOut">
               <a:rPr lang="en-US" smtClean="0"/>
-              <a:t>1/27/13</a:t>
+              <a:t>2/16/2025</a:t>
             </a:fld>
             <a:endParaRPr lang="en-US"/>
           </a:p>
@@ -1890,7 +1988,13 @@
       </p:sp>
       <p:sp>
         <p:nvSpPr>
-          <p:cNvPr id="4" name="Footer Placeholder 3"/>
+          <p:cNvPr id="4" name="Footer Placeholder 3">
+            <a:extLst>
+              <a:ext uri="{FF2B5EF4-FFF2-40B4-BE49-F238E27FC236}">
+                <a16:creationId xmlns:a16="http://schemas.microsoft.com/office/drawing/2014/main" id="{E7FCAE8A-1EC0-4F0D-81E9-152FCB75AEF8}"/>
+              </a:ext>
+            </a:extLst>
+          </p:cNvPr>
           <p:cNvSpPr>
             <a:spLocks noGrp="1"/>
           </p:cNvSpPr>
@@ -1909,7 +2013,13 @@
       </p:sp>
       <p:sp>
         <p:nvSpPr>
-          <p:cNvPr id="5" name="Slide Number Placeholder 4"/>
+          <p:cNvPr id="5" name="Slide Number Placeholder 4">
+            <a:extLst>
+              <a:ext uri="{FF2B5EF4-FFF2-40B4-BE49-F238E27FC236}">
+                <a16:creationId xmlns:a16="http://schemas.microsoft.com/office/drawing/2014/main" id="{5BE3EF09-0BE5-8CBC-7AE4-69824CA3F2C2}"/>
+              </a:ext>
+            </a:extLst>
+          </p:cNvPr>
           <p:cNvSpPr>
             <a:spLocks noGrp="1"/>
           </p:cNvSpPr>
@@ -1933,7 +2043,7 @@
     </p:spTree>
     <p:extLst>
       <p:ext uri="{BB962C8B-B14F-4D97-AF65-F5344CB8AC3E}">
-        <p14:creationId xmlns:p14="http://schemas.microsoft.com/office/powerpoint/2010/main" val="727027711"/>
+        <p14:creationId xmlns:p14="http://schemas.microsoft.com/office/powerpoint/2010/main" val="12521554"/>
       </p:ext>
     </p:extLst>
   </p:cSld>
@@ -1962,7 +2072,13 @@
       </p:grpSpPr>
       <p:sp>
         <p:nvSpPr>
-          <p:cNvPr id="2" name="Date Placeholder 1"/>
+          <p:cNvPr id="2" name="Date Placeholder 1">
+            <a:extLst>
+              <a:ext uri="{FF2B5EF4-FFF2-40B4-BE49-F238E27FC236}">
+                <a16:creationId xmlns:a16="http://schemas.microsoft.com/office/drawing/2014/main" id="{52387E6E-8FB0-2CC8-8830-EE849E9E042B}"/>
+              </a:ext>
+            </a:extLst>
+          </p:cNvPr>
           <p:cNvSpPr>
             <a:spLocks noGrp="1"/>
           </p:cNvSpPr>
@@ -1977,7 +2093,7 @@
           <a:p>
             <a:fld id="{5BCAD085-E8A6-8845-BD4E-CB4CCA059FC4}" type="datetimeFigureOut">
               <a:rPr lang="en-US" smtClean="0"/>
-              <a:t>1/27/13</a:t>
+              <a:t>2/16/2025</a:t>
             </a:fld>
             <a:endParaRPr lang="en-US"/>
           </a:p>
@@ -1985,7 +2101,13 @@
       </p:sp>
       <p:sp>
         <p:nvSpPr>
-          <p:cNvPr id="3" name="Footer Placeholder 2"/>
+          <p:cNvPr id="3" name="Footer Placeholder 2">
+            <a:extLst>
+              <a:ext uri="{FF2B5EF4-FFF2-40B4-BE49-F238E27FC236}">
+                <a16:creationId xmlns:a16="http://schemas.microsoft.com/office/drawing/2014/main" id="{48EAF822-A249-C5C9-3C86-94C9631142AD}"/>
+              </a:ext>
+            </a:extLst>
+          </p:cNvPr>
           <p:cNvSpPr>
             <a:spLocks noGrp="1"/>
           </p:cNvSpPr>
@@ -2004,7 +2126,13 @@
       </p:sp>
       <p:sp>
         <p:nvSpPr>
-          <p:cNvPr id="4" name="Slide Number Placeholder 3"/>
+          <p:cNvPr id="4" name="Slide Number Placeholder 3">
+            <a:extLst>
+              <a:ext uri="{FF2B5EF4-FFF2-40B4-BE49-F238E27FC236}">
+                <a16:creationId xmlns:a16="http://schemas.microsoft.com/office/drawing/2014/main" id="{3F1CE211-4496-DA7E-BE6D-3E3D5578D8B6}"/>
+              </a:ext>
+            </a:extLst>
+          </p:cNvPr>
           <p:cNvSpPr>
             <a:spLocks noGrp="1"/>
           </p:cNvSpPr>
@@ -2028,7 +2156,7 @@
     </p:spTree>
     <p:extLst>
       <p:ext uri="{BB962C8B-B14F-4D97-AF65-F5344CB8AC3E}">
-        <p14:creationId xmlns:p14="http://schemas.microsoft.com/office/powerpoint/2010/main" val="1212999818"/>
+        <p14:creationId xmlns:p14="http://schemas.microsoft.com/office/powerpoint/2010/main" val="346852594"/>
       </p:ext>
     </p:extLst>
   </p:cSld>
@@ -2057,7 +2185,13 @@
       </p:grpSpPr>
       <p:sp>
         <p:nvSpPr>
-          <p:cNvPr id="2" name="Title 1"/>
+          <p:cNvPr id="2" name="Title 1">
+            <a:extLst>
+              <a:ext uri="{FF2B5EF4-FFF2-40B4-BE49-F238E27FC236}">
+                <a16:creationId xmlns:a16="http://schemas.microsoft.com/office/drawing/2014/main" id="{DF47EFEC-00CA-C061-5FE7-EBF3AA9CDBC7}"/>
+              </a:ext>
+            </a:extLst>
+          </p:cNvPr>
           <p:cNvSpPr>
             <a:spLocks noGrp="1"/>
           </p:cNvSpPr>
@@ -2067,29 +2201,34 @@
         </p:nvSpPr>
         <p:spPr>
           <a:xfrm>
-            <a:off x="457200" y="273050"/>
-            <a:ext cx="3008313" cy="1162050"/>
+            <a:off x="629841" y="457200"/>
+            <a:ext cx="2949178" cy="1600200"/>
           </a:xfrm>
         </p:spPr>
         <p:txBody>
           <a:bodyPr anchor="b"/>
           <a:lstStyle>
-            <a:lvl1pPr algn="l">
-              <a:defRPr sz="2000" b="1"/>
+            <a:lvl1pPr>
+              <a:defRPr sz="2400"/>
             </a:lvl1pPr>
           </a:lstStyle>
           <a:p>
             <a:r>
-              <a:rPr lang="en-US" smtClean="0"/>
+              <a:rPr lang="en-US"/>
               <a:t>Click to edit Master title style</a:t>
             </a:r>
-            <a:endParaRPr lang="en-US"/>
-          </a:p>
-        </p:txBody>
-      </p:sp>
-      <p:sp>
-        <p:nvSpPr>
-          <p:cNvPr id="3" name="Content Placeholder 2"/>
+          </a:p>
+        </p:txBody>
+      </p:sp>
+      <p:sp>
+        <p:nvSpPr>
+          <p:cNvPr id="3" name="Content Placeholder 2">
+            <a:extLst>
+              <a:ext uri="{FF2B5EF4-FFF2-40B4-BE49-F238E27FC236}">
+                <a16:creationId xmlns:a16="http://schemas.microsoft.com/office/drawing/2014/main" id="{CE2121FA-DB0A-134A-8AA3-03C41DADC7A6}"/>
+              </a:ext>
+            </a:extLst>
+          </p:cNvPr>
           <p:cNvSpPr>
             <a:spLocks noGrp="1"/>
           </p:cNvSpPr>
@@ -2099,82 +2238,87 @@
         </p:nvSpPr>
         <p:spPr>
           <a:xfrm>
-            <a:off x="3575050" y="273050"/>
-            <a:ext cx="5111750" cy="5853113"/>
+            <a:off x="3887391" y="987426"/>
+            <a:ext cx="4629150" cy="4873625"/>
           </a:xfrm>
         </p:spPr>
         <p:txBody>
           <a:bodyPr/>
           <a:lstStyle>
             <a:lvl1pPr>
-              <a:defRPr sz="3200"/>
+              <a:defRPr sz="2400"/>
             </a:lvl1pPr>
             <a:lvl2pPr>
-              <a:defRPr sz="2800"/>
+              <a:defRPr sz="2100"/>
             </a:lvl2pPr>
             <a:lvl3pPr>
-              <a:defRPr sz="2400"/>
+              <a:defRPr sz="1800"/>
             </a:lvl3pPr>
             <a:lvl4pPr>
-              <a:defRPr sz="2000"/>
+              <a:defRPr sz="1500"/>
             </a:lvl4pPr>
             <a:lvl5pPr>
-              <a:defRPr sz="2000"/>
+              <a:defRPr sz="1500"/>
             </a:lvl5pPr>
             <a:lvl6pPr>
-              <a:defRPr sz="2000"/>
+              <a:defRPr sz="1500"/>
             </a:lvl6pPr>
             <a:lvl7pPr>
-              <a:defRPr sz="2000"/>
+              <a:defRPr sz="1500"/>
             </a:lvl7pPr>
             <a:lvl8pPr>
-              <a:defRPr sz="2000"/>
+              <a:defRPr sz="1500"/>
             </a:lvl8pPr>
             <a:lvl9pPr>
-              <a:defRPr sz="2000"/>
+              <a:defRPr sz="1500"/>
             </a:lvl9pPr>
           </a:lstStyle>
           <a:p>
             <a:pPr lvl="0"/>
             <a:r>
-              <a:rPr lang="en-US" smtClean="0"/>
+              <a:rPr lang="en-US"/>
               <a:t>Click to edit Master text styles</a:t>
             </a:r>
           </a:p>
           <a:p>
             <a:pPr lvl="1"/>
             <a:r>
-              <a:rPr lang="en-US" smtClean="0"/>
+              <a:rPr lang="en-US"/>
               <a:t>Second level</a:t>
             </a:r>
           </a:p>
           <a:p>
             <a:pPr lvl="2"/>
             <a:r>
-              <a:rPr lang="en-US" smtClean="0"/>
+              <a:rPr lang="en-US"/>
               <a:t>Third level</a:t>
             </a:r>
           </a:p>
           <a:p>
             <a:pPr lvl="3"/>
             <a:r>
-              <a:rPr lang="en-US" smtClean="0"/>
+              <a:rPr lang="en-US"/>
               <a:t>Fourth level</a:t>
             </a:r>
           </a:p>
           <a:p>
             <a:pPr lvl="4"/>
             <a:r>
-              <a:rPr lang="en-US" smtClean="0"/>
+              <a:rPr lang="en-US"/>
               <a:t>Fifth level</a:t>
             </a:r>
-            <a:endParaRPr lang="en-US"/>
-          </a:p>
-        </p:txBody>
-      </p:sp>
-      <p:sp>
-        <p:nvSpPr>
-          <p:cNvPr id="4" name="Text Placeholder 3"/>
+          </a:p>
+        </p:txBody>
+      </p:sp>
+      <p:sp>
+        <p:nvSpPr>
+          <p:cNvPr id="4" name="Text Placeholder 3">
+            <a:extLst>
+              <a:ext uri="{FF2B5EF4-FFF2-40B4-BE49-F238E27FC236}">
+                <a16:creationId xmlns:a16="http://schemas.microsoft.com/office/drawing/2014/main" id="{83E913AA-6A36-8DC1-F41D-1E032AB96F29}"/>
+              </a:ext>
+            </a:extLst>
+          </p:cNvPr>
           <p:cNvSpPr>
             <a:spLocks noGrp="1"/>
           </p:cNvSpPr>
@@ -2184,8 +2328,8 @@
         </p:nvSpPr>
         <p:spPr>
           <a:xfrm>
-            <a:off x="457200" y="1435100"/>
-            <a:ext cx="3008313" cy="4691063"/>
+            <a:off x="629841" y="2057400"/>
+            <a:ext cx="2949178" cy="3811588"/>
           </a:xfrm>
         </p:spPr>
         <p:txBody>
@@ -2193,45 +2337,45 @@
           <a:lstStyle>
             <a:lvl1pPr marL="0" indent="0">
               <a:buNone/>
-              <a:defRPr sz="1400"/>
+              <a:defRPr sz="1200"/>
             </a:lvl1pPr>
-            <a:lvl2pPr marL="457200" indent="0">
-              <a:buNone/>
-              <a:defRPr sz="1200"/>
+            <a:lvl2pPr marL="342900" indent="0">
+              <a:buNone/>
+              <a:defRPr sz="1050"/>
             </a:lvl2pPr>
-            <a:lvl3pPr marL="914400" indent="0">
-              <a:buNone/>
-              <a:defRPr sz="1000"/>
+            <a:lvl3pPr marL="685800" indent="0">
+              <a:buNone/>
+              <a:defRPr sz="900"/>
             </a:lvl3pPr>
-            <a:lvl4pPr marL="1371600" indent="0">
-              <a:buNone/>
-              <a:defRPr sz="900"/>
+            <a:lvl4pPr marL="1028700" indent="0">
+              <a:buNone/>
+              <a:defRPr sz="750"/>
             </a:lvl4pPr>
-            <a:lvl5pPr marL="1828800" indent="0">
-              <a:buNone/>
-              <a:defRPr sz="900"/>
+            <a:lvl5pPr marL="1371600" indent="0">
+              <a:buNone/>
+              <a:defRPr sz="750"/>
             </a:lvl5pPr>
-            <a:lvl6pPr marL="2286000" indent="0">
-              <a:buNone/>
-              <a:defRPr sz="900"/>
+            <a:lvl6pPr marL="1714500" indent="0">
+              <a:buNone/>
+              <a:defRPr sz="750"/>
             </a:lvl6pPr>
-            <a:lvl7pPr marL="2743200" indent="0">
-              <a:buNone/>
-              <a:defRPr sz="900"/>
+            <a:lvl7pPr marL="2057400" indent="0">
+              <a:buNone/>
+              <a:defRPr sz="750"/>
             </a:lvl7pPr>
-            <a:lvl8pPr marL="3200400" indent="0">
-              <a:buNone/>
-              <a:defRPr sz="900"/>
+            <a:lvl8pPr marL="2400300" indent="0">
+              <a:buNone/>
+              <a:defRPr sz="750"/>
             </a:lvl8pPr>
-            <a:lvl9pPr marL="3657600" indent="0">
-              <a:buNone/>
-              <a:defRPr sz="900"/>
+            <a:lvl9pPr marL="2743200" indent="0">
+              <a:buNone/>
+              <a:defRPr sz="750"/>
             </a:lvl9pPr>
           </a:lstStyle>
           <a:p>
             <a:pPr lvl="0"/>
             <a:r>
-              <a:rPr lang="en-US" smtClean="0"/>
+              <a:rPr lang="en-US"/>
               <a:t>Click to edit Master text styles</a:t>
             </a:r>
           </a:p>
@@ -2239,7 +2383,13 @@
       </p:sp>
       <p:sp>
         <p:nvSpPr>
-          <p:cNvPr id="5" name="Date Placeholder 4"/>
+          <p:cNvPr id="5" name="Date Placeholder 4">
+            <a:extLst>
+              <a:ext uri="{FF2B5EF4-FFF2-40B4-BE49-F238E27FC236}">
+                <a16:creationId xmlns:a16="http://schemas.microsoft.com/office/drawing/2014/main" id="{4BE56473-961E-A1AD-8444-399D1FEBD430}"/>
+              </a:ext>
+            </a:extLst>
+          </p:cNvPr>
           <p:cNvSpPr>
             <a:spLocks noGrp="1"/>
           </p:cNvSpPr>
@@ -2254,7 +2404,7 @@
           <a:p>
             <a:fld id="{5BCAD085-E8A6-8845-BD4E-CB4CCA059FC4}" type="datetimeFigureOut">
               <a:rPr lang="en-US" smtClean="0"/>
-              <a:t>1/27/13</a:t>
+              <a:t>2/16/2025</a:t>
             </a:fld>
             <a:endParaRPr lang="en-US"/>
           </a:p>
@@ -2262,7 +2412,13 @@
       </p:sp>
       <p:sp>
         <p:nvSpPr>
-          <p:cNvPr id="6" name="Footer Placeholder 5"/>
+          <p:cNvPr id="6" name="Footer Placeholder 5">
+            <a:extLst>
+              <a:ext uri="{FF2B5EF4-FFF2-40B4-BE49-F238E27FC236}">
+                <a16:creationId xmlns:a16="http://schemas.microsoft.com/office/drawing/2014/main" id="{FA60B4AE-76F7-79A4-44E7-3A52AE4F87D7}"/>
+              </a:ext>
+            </a:extLst>
+          </p:cNvPr>
           <p:cNvSpPr>
             <a:spLocks noGrp="1"/>
           </p:cNvSpPr>
@@ -2281,7 +2437,13 @@
       </p:sp>
       <p:sp>
         <p:nvSpPr>
-          <p:cNvPr id="7" name="Slide Number Placeholder 6"/>
+          <p:cNvPr id="7" name="Slide Number Placeholder 6">
+            <a:extLst>
+              <a:ext uri="{FF2B5EF4-FFF2-40B4-BE49-F238E27FC236}">
+                <a16:creationId xmlns:a16="http://schemas.microsoft.com/office/drawing/2014/main" id="{4D97619B-528F-EFB4-F66E-311752534EF3}"/>
+              </a:ext>
+            </a:extLst>
+          </p:cNvPr>
           <p:cNvSpPr>
             <a:spLocks noGrp="1"/>
           </p:cNvSpPr>
@@ -2305,7 +2467,7 @@
     </p:spTree>
     <p:extLst>
       <p:ext uri="{BB962C8B-B14F-4D97-AF65-F5344CB8AC3E}">
-        <p14:creationId xmlns:p14="http://schemas.microsoft.com/office/powerpoint/2010/main" val="1840726560"/>
+        <p14:creationId xmlns:p14="http://schemas.microsoft.com/office/powerpoint/2010/main" val="3180433557"/>
       </p:ext>
     </p:extLst>
   </p:cSld>
@@ -2334,7 +2496,13 @@
       </p:grpSpPr>
       <p:sp>
         <p:nvSpPr>
-          <p:cNvPr id="2" name="Title 1"/>
+          <p:cNvPr id="2" name="Title 1">
+            <a:extLst>
+              <a:ext uri="{FF2B5EF4-FFF2-40B4-BE49-F238E27FC236}">
+                <a16:creationId xmlns:a16="http://schemas.microsoft.com/office/drawing/2014/main" id="{C3B4DB49-8616-C298-9A61-364DDF2D7571}"/>
+              </a:ext>
+            </a:extLst>
+          </p:cNvPr>
           <p:cNvSpPr>
             <a:spLocks noGrp="1"/>
           </p:cNvSpPr>
@@ -2344,29 +2512,34 @@
         </p:nvSpPr>
         <p:spPr>
           <a:xfrm>
-            <a:off x="1792288" y="4800600"/>
-            <a:ext cx="5486400" cy="566738"/>
+            <a:off x="629841" y="457200"/>
+            <a:ext cx="2949178" cy="1600200"/>
           </a:xfrm>
         </p:spPr>
         <p:txBody>
           <a:bodyPr anchor="b"/>
           <a:lstStyle>
-            <a:lvl1pPr algn="l">
-              <a:defRPr sz="2000" b="1"/>
+            <a:lvl1pPr>
+              <a:defRPr sz="2400"/>
             </a:lvl1pPr>
           </a:lstStyle>
           <a:p>
             <a:r>
-              <a:rPr lang="en-US" smtClean="0"/>
+              <a:rPr lang="en-US"/>
               <a:t>Click to edit Master title style</a:t>
             </a:r>
-            <a:endParaRPr lang="en-US"/>
-          </a:p>
-        </p:txBody>
-      </p:sp>
-      <p:sp>
-        <p:nvSpPr>
-          <p:cNvPr id="3" name="Picture Placeholder 2"/>
+          </a:p>
+        </p:txBody>
+      </p:sp>
+      <p:sp>
+        <p:nvSpPr>
+          <p:cNvPr id="3" name="Picture Placeholder 2">
+            <a:extLst>
+              <a:ext uri="{FF2B5EF4-FFF2-40B4-BE49-F238E27FC236}">
+                <a16:creationId xmlns:a16="http://schemas.microsoft.com/office/drawing/2014/main" id="{6181B8A5-5DA7-12F7-B809-CC9B8F96A2EF}"/>
+              </a:ext>
+            </a:extLst>
+          </p:cNvPr>
           <p:cNvSpPr>
             <a:spLocks noGrp="1"/>
           </p:cNvSpPr>
@@ -2376,8 +2549,8 @@
         </p:nvSpPr>
         <p:spPr>
           <a:xfrm>
-            <a:off x="1792288" y="612775"/>
-            <a:ext cx="5486400" cy="4114800"/>
+            <a:off x="3887391" y="987426"/>
+            <a:ext cx="4629150" cy="4873625"/>
           </a:xfrm>
         </p:spPr>
         <p:txBody>
@@ -2385,39 +2558,39 @@
           <a:lstStyle>
             <a:lvl1pPr marL="0" indent="0">
               <a:buNone/>
-              <a:defRPr sz="3200"/>
+              <a:defRPr sz="2400"/>
             </a:lvl1pPr>
-            <a:lvl2pPr marL="457200" indent="0">
-              <a:buNone/>
-              <a:defRPr sz="2800"/>
+            <a:lvl2pPr marL="342900" indent="0">
+              <a:buNone/>
+              <a:defRPr sz="2100"/>
             </a:lvl2pPr>
-            <a:lvl3pPr marL="914400" indent="0">
-              <a:buNone/>
-              <a:defRPr sz="2400"/>
+            <a:lvl3pPr marL="685800" indent="0">
+              <a:buNone/>
+              <a:defRPr sz="1800"/>
             </a:lvl3pPr>
-            <a:lvl4pPr marL="1371600" indent="0">
-              <a:buNone/>
-              <a:defRPr sz="2000"/>
+            <a:lvl4pPr marL="1028700" indent="0">
+              <a:buNone/>
+              <a:defRPr sz="1500"/>
             </a:lvl4pPr>
-            <a:lvl5pPr marL="1828800" indent="0">
-              <a:buNone/>
-              <a:defRPr sz="2000"/>
+            <a:lvl5pPr marL="1371600" indent="0">
+              <a:buNone/>
+              <a:defRPr sz="1500"/>
             </a:lvl5pPr>
-            <a:lvl6pPr marL="2286000" indent="0">
-              <a:buNone/>
-              <a:defRPr sz="2000"/>
+            <a:lvl6pPr marL="1714500" indent="0">
+              <a:buNone/>
+              <a:defRPr sz="1500"/>
             </a:lvl6pPr>
-            <a:lvl7pPr marL="2743200" indent="0">
-              <a:buNone/>
-              <a:defRPr sz="2000"/>
+            <a:lvl7pPr marL="2057400" indent="0">
+              <a:buNone/>
+              <a:defRPr sz="1500"/>
             </a:lvl7pPr>
-            <a:lvl8pPr marL="3200400" indent="0">
-              <a:buNone/>
-              <a:defRPr sz="2000"/>
+            <a:lvl8pPr marL="2400300" indent="0">
+              <a:buNone/>
+              <a:defRPr sz="1500"/>
             </a:lvl8pPr>
-            <a:lvl9pPr marL="3657600" indent="0">
-              <a:buNone/>
-              <a:defRPr sz="2000"/>
+            <a:lvl9pPr marL="2743200" indent="0">
+              <a:buNone/>
+              <a:defRPr sz="1500"/>
             </a:lvl9pPr>
           </a:lstStyle>
           <a:p>
@@ -2427,7 +2600,13 @@
       </p:sp>
       <p:sp>
         <p:nvSpPr>
-          <p:cNvPr id="4" name="Text Placeholder 3"/>
+          <p:cNvPr id="4" name="Text Placeholder 3">
+            <a:extLst>
+              <a:ext uri="{FF2B5EF4-FFF2-40B4-BE49-F238E27FC236}">
+                <a16:creationId xmlns:a16="http://schemas.microsoft.com/office/drawing/2014/main" id="{13A1D73E-F069-6BFB-2CC7-79530E30822A}"/>
+              </a:ext>
+            </a:extLst>
+          </p:cNvPr>
           <p:cNvSpPr>
             <a:spLocks noGrp="1"/>
           </p:cNvSpPr>
@@ -2437,8 +2616,8 @@
         </p:nvSpPr>
         <p:spPr>
           <a:xfrm>
-            <a:off x="1792288" y="5367338"/>
-            <a:ext cx="5486400" cy="804862"/>
+            <a:off x="629841" y="2057400"/>
+            <a:ext cx="2949178" cy="3811588"/>
           </a:xfrm>
         </p:spPr>
         <p:txBody>
@@ -2446,45 +2625,45 @@
           <a:lstStyle>
             <a:lvl1pPr marL="0" indent="0">
               <a:buNone/>
-              <a:defRPr sz="1400"/>
+              <a:defRPr sz="1200"/>
             </a:lvl1pPr>
-            <a:lvl2pPr marL="457200" indent="0">
-              <a:buNone/>
-              <a:defRPr sz="1200"/>
+            <a:lvl2pPr marL="342900" indent="0">
+              <a:buNone/>
+              <a:defRPr sz="1050"/>
             </a:lvl2pPr>
-            <a:lvl3pPr marL="914400" indent="0">
-              <a:buNone/>
-              <a:defRPr sz="1000"/>
+            <a:lvl3pPr marL="685800" indent="0">
+              <a:buNone/>
+              <a:defRPr sz="900"/>
             </a:lvl3pPr>
-            <a:lvl4pPr marL="1371600" indent="0">
-              <a:buNone/>
-              <a:defRPr sz="900"/>
+            <a:lvl4pPr marL="1028700" indent="0">
+              <a:buNone/>
+              <a:defRPr sz="750"/>
             </a:lvl4pPr>
-            <a:lvl5pPr marL="1828800" indent="0">
-              <a:buNone/>
-              <a:defRPr sz="900"/>
+            <a:lvl5pPr marL="1371600" indent="0">
+              <a:buNone/>
+              <a:defRPr sz="750"/>
             </a:lvl5pPr>
-            <a:lvl6pPr marL="2286000" indent="0">
-              <a:buNone/>
-              <a:defRPr sz="900"/>
+            <a:lvl6pPr marL="1714500" indent="0">
+              <a:buNone/>
+              <a:defRPr sz="750"/>
             </a:lvl6pPr>
-            <a:lvl7pPr marL="2743200" indent="0">
-              <a:buNone/>
-              <a:defRPr sz="900"/>
+            <a:lvl7pPr marL="2057400" indent="0">
+              <a:buNone/>
+              <a:defRPr sz="750"/>
             </a:lvl7pPr>
-            <a:lvl8pPr marL="3200400" indent="0">
-              <a:buNone/>
-              <a:defRPr sz="900"/>
+            <a:lvl8pPr marL="2400300" indent="0">
+              <a:buNone/>
+              <a:defRPr sz="750"/>
             </a:lvl8pPr>
-            <a:lvl9pPr marL="3657600" indent="0">
-              <a:buNone/>
-              <a:defRPr sz="900"/>
+            <a:lvl9pPr marL="2743200" indent="0">
+              <a:buNone/>
+              <a:defRPr sz="750"/>
             </a:lvl9pPr>
           </a:lstStyle>
           <a:p>
             <a:pPr lvl="0"/>
             <a:r>
-              <a:rPr lang="en-US" smtClean="0"/>
+              <a:rPr lang="en-US"/>
               <a:t>Click to edit Master text styles</a:t>
             </a:r>
           </a:p>
@@ -2492,7 +2671,13 @@
       </p:sp>
       <p:sp>
         <p:nvSpPr>
-          <p:cNvPr id="5" name="Date Placeholder 4"/>
+          <p:cNvPr id="5" name="Date Placeholder 4">
+            <a:extLst>
+              <a:ext uri="{FF2B5EF4-FFF2-40B4-BE49-F238E27FC236}">
+                <a16:creationId xmlns:a16="http://schemas.microsoft.com/office/drawing/2014/main" id="{A0F5E80C-38B5-DD5B-B399-3FD3DDBAC8D8}"/>
+              </a:ext>
+            </a:extLst>
+          </p:cNvPr>
           <p:cNvSpPr>
             <a:spLocks noGrp="1"/>
           </p:cNvSpPr>
@@ -2507,7 +2692,7 @@
           <a:p>
             <a:fld id="{5BCAD085-E8A6-8845-BD4E-CB4CCA059FC4}" type="datetimeFigureOut">
               <a:rPr lang="en-US" smtClean="0"/>
-              <a:t>1/27/13</a:t>
+              <a:t>2/16/2025</a:t>
             </a:fld>
             <a:endParaRPr lang="en-US"/>
           </a:p>
@@ -2515,7 +2700,13 @@
       </p:sp>
       <p:sp>
         <p:nvSpPr>
-          <p:cNvPr id="6" name="Footer Placeholder 5"/>
+          <p:cNvPr id="6" name="Footer Placeholder 5">
+            <a:extLst>
+              <a:ext uri="{FF2B5EF4-FFF2-40B4-BE49-F238E27FC236}">
+                <a16:creationId xmlns:a16="http://schemas.microsoft.com/office/drawing/2014/main" id="{96CA9ACF-6863-972C-3D47-397C2C49AC2A}"/>
+              </a:ext>
+            </a:extLst>
+          </p:cNvPr>
           <p:cNvSpPr>
             <a:spLocks noGrp="1"/>
           </p:cNvSpPr>
@@ -2534,7 +2725,13 @@
       </p:sp>
       <p:sp>
         <p:nvSpPr>
-          <p:cNvPr id="7" name="Slide Number Placeholder 6"/>
+          <p:cNvPr id="7" name="Slide Number Placeholder 6">
+            <a:extLst>
+              <a:ext uri="{FF2B5EF4-FFF2-40B4-BE49-F238E27FC236}">
+                <a16:creationId xmlns:a16="http://schemas.microsoft.com/office/drawing/2014/main" id="{5E9B2273-00E0-24A8-E79D-DD9DA2B98C97}"/>
+              </a:ext>
+            </a:extLst>
+          </p:cNvPr>
           <p:cNvSpPr>
             <a:spLocks noGrp="1"/>
           </p:cNvSpPr>
@@ -2558,7 +2755,7 @@
     </p:spTree>
     <p:extLst>
       <p:ext uri="{BB962C8B-B14F-4D97-AF65-F5344CB8AC3E}">
-        <p14:creationId xmlns:p14="http://schemas.microsoft.com/office/powerpoint/2010/main" val="3889236939"/>
+        <p14:creationId xmlns:p14="http://schemas.microsoft.com/office/powerpoint/2010/main" val="2276034380"/>
       </p:ext>
     </p:extLst>
   </p:cSld>
@@ -2592,7 +2789,13 @@
       </p:grpSpPr>
       <p:sp>
         <p:nvSpPr>
-          <p:cNvPr id="2" name="Title Placeholder 1"/>
+          <p:cNvPr id="2" name="Title Placeholder 1">
+            <a:extLst>
+              <a:ext uri="{FF2B5EF4-FFF2-40B4-BE49-F238E27FC236}">
+                <a16:creationId xmlns:a16="http://schemas.microsoft.com/office/drawing/2014/main" id="{12905B71-CC49-B909-6ACD-D0A5B7D6DD71}"/>
+              </a:ext>
+            </a:extLst>
+          </p:cNvPr>
           <p:cNvSpPr>
             <a:spLocks noGrp="1"/>
           </p:cNvSpPr>
@@ -2602,8 +2805,8 @@
         </p:nvSpPr>
         <p:spPr>
           <a:xfrm>
-            <a:off x="457200" y="274638"/>
-            <a:ext cx="8229600" cy="1143000"/>
+            <a:off x="628650" y="365126"/>
+            <a:ext cx="7886700" cy="1325563"/>
           </a:xfrm>
           <a:prstGeom prst="rect">
             <a:avLst/>
@@ -2616,16 +2819,21 @@
           <a:lstStyle/>
           <a:p>
             <a:r>
-              <a:rPr lang="en-US" smtClean="0"/>
+              <a:rPr lang="en-US"/>
               <a:t>Click to edit Master title style</a:t>
             </a:r>
-            <a:endParaRPr lang="en-US"/>
-          </a:p>
-        </p:txBody>
-      </p:sp>
-      <p:sp>
-        <p:nvSpPr>
-          <p:cNvPr id="3" name="Text Placeholder 2"/>
+          </a:p>
+        </p:txBody>
+      </p:sp>
+      <p:sp>
+        <p:nvSpPr>
+          <p:cNvPr id="3" name="Text Placeholder 2">
+            <a:extLst>
+              <a:ext uri="{FF2B5EF4-FFF2-40B4-BE49-F238E27FC236}">
+                <a16:creationId xmlns:a16="http://schemas.microsoft.com/office/drawing/2014/main" id="{913D6D95-8A4D-B06E-9446-57654517B541}"/>
+              </a:ext>
+            </a:extLst>
+          </p:cNvPr>
           <p:cNvSpPr>
             <a:spLocks noGrp="1"/>
           </p:cNvSpPr>
@@ -2635,8 +2843,8 @@
         </p:nvSpPr>
         <p:spPr>
           <a:xfrm>
-            <a:off x="457200" y="1600200"/>
-            <a:ext cx="8229600" cy="4525963"/>
+            <a:off x="628650" y="1825625"/>
+            <a:ext cx="7886700" cy="4351338"/>
           </a:xfrm>
           <a:prstGeom prst="rect">
             <a:avLst/>
@@ -2650,44 +2858,49 @@
           <a:p>
             <a:pPr lvl="0"/>
             <a:r>
-              <a:rPr lang="en-US" smtClean="0"/>
+              <a:rPr lang="en-US"/>
               <a:t>Click to edit Master text styles</a:t>
             </a:r>
           </a:p>
           <a:p>
             <a:pPr lvl="1"/>
             <a:r>
-              <a:rPr lang="en-US" smtClean="0"/>
+              <a:rPr lang="en-US"/>
               <a:t>Second level</a:t>
             </a:r>
           </a:p>
           <a:p>
             <a:pPr lvl="2"/>
             <a:r>
-              <a:rPr lang="en-US" smtClean="0"/>
+              <a:rPr lang="en-US"/>
               <a:t>Third level</a:t>
             </a:r>
           </a:p>
           <a:p>
             <a:pPr lvl="3"/>
             <a:r>
-              <a:rPr lang="en-US" smtClean="0"/>
+              <a:rPr lang="en-US"/>
               <a:t>Fourth level</a:t>
             </a:r>
           </a:p>
           <a:p>
             <a:pPr lvl="4"/>
             <a:r>
-              <a:rPr lang="en-US" smtClean="0"/>
+              <a:rPr lang="en-US"/>
               <a:t>Fifth level</a:t>
             </a:r>
-            <a:endParaRPr lang="en-US"/>
-          </a:p>
-        </p:txBody>
-      </p:sp>
-      <p:sp>
-        <p:nvSpPr>
-          <p:cNvPr id="4" name="Date Placeholder 3"/>
+          </a:p>
+        </p:txBody>
+      </p:sp>
+      <p:sp>
+        <p:nvSpPr>
+          <p:cNvPr id="4" name="Date Placeholder 3">
+            <a:extLst>
+              <a:ext uri="{FF2B5EF4-FFF2-40B4-BE49-F238E27FC236}">
+                <a16:creationId xmlns:a16="http://schemas.microsoft.com/office/drawing/2014/main" id="{C0CDE9BD-5924-307B-B360-A13E1F2C504F}"/>
+              </a:ext>
+            </a:extLst>
+          </p:cNvPr>
           <p:cNvSpPr>
             <a:spLocks noGrp="1"/>
           </p:cNvSpPr>
@@ -2697,8 +2910,8 @@
         </p:nvSpPr>
         <p:spPr>
           <a:xfrm>
-            <a:off x="457200" y="6356350"/>
-            <a:ext cx="2133600" cy="365125"/>
+            <a:off x="628650" y="6356351"/>
+            <a:ext cx="2057400" cy="365125"/>
           </a:xfrm>
           <a:prstGeom prst="rect">
             <a:avLst/>
@@ -2708,10 +2921,10 @@
           <a:bodyPr vert="horz" lIns="91440" tIns="45720" rIns="91440" bIns="45720" rtlCol="0" anchor="ctr"/>
           <a:lstStyle>
             <a:lvl1pPr algn="l">
-              <a:defRPr sz="1200">
+              <a:defRPr sz="900">
                 <a:solidFill>
                   <a:schemeClr val="tx1">
-                    <a:tint val="75000"/>
+                    <a:tint val="82000"/>
                   </a:schemeClr>
                 </a:solidFill>
               </a:defRPr>
@@ -2720,7 +2933,7 @@
           <a:p>
             <a:fld id="{5BCAD085-E8A6-8845-BD4E-CB4CCA059FC4}" type="datetimeFigureOut">
               <a:rPr lang="en-US" smtClean="0"/>
-              <a:t>1/27/13</a:t>
+              <a:t>2/16/2025</a:t>
             </a:fld>
             <a:endParaRPr lang="en-US"/>
           </a:p>
@@ -2728,7 +2941,13 @@
       </p:sp>
       <p:sp>
         <p:nvSpPr>
-          <p:cNvPr id="5" name="Footer Placeholder 4"/>
+          <p:cNvPr id="5" name="Footer Placeholder 4">
+            <a:extLst>
+              <a:ext uri="{FF2B5EF4-FFF2-40B4-BE49-F238E27FC236}">
+                <a16:creationId xmlns:a16="http://schemas.microsoft.com/office/drawing/2014/main" id="{696D04E8-3522-6D14-8246-2D0B9CF0A452}"/>
+              </a:ext>
+            </a:extLst>
+          </p:cNvPr>
           <p:cNvSpPr>
             <a:spLocks noGrp="1"/>
           </p:cNvSpPr>
@@ -2738,8 +2957,8 @@
         </p:nvSpPr>
         <p:spPr>
           <a:xfrm>
-            <a:off x="3124200" y="6356350"/>
-            <a:ext cx="2895600" cy="365125"/>
+            <a:off x="3028950" y="6356351"/>
+            <a:ext cx="3086100" cy="365125"/>
           </a:xfrm>
           <a:prstGeom prst="rect">
             <a:avLst/>
@@ -2749,10 +2968,10 @@
           <a:bodyPr vert="horz" lIns="91440" tIns="45720" rIns="91440" bIns="45720" rtlCol="0" anchor="ctr"/>
           <a:lstStyle>
             <a:lvl1pPr algn="ctr">
-              <a:defRPr sz="1200">
+              <a:defRPr sz="900">
                 <a:solidFill>
                   <a:schemeClr val="tx1">
-                    <a:tint val="75000"/>
+                    <a:tint val="82000"/>
                   </a:schemeClr>
                 </a:solidFill>
               </a:defRPr>
@@ -2765,7 +2984,13 @@
       </p:sp>
       <p:sp>
         <p:nvSpPr>
-          <p:cNvPr id="6" name="Slide Number Placeholder 5"/>
+          <p:cNvPr id="6" name="Slide Number Placeholder 5">
+            <a:extLst>
+              <a:ext uri="{FF2B5EF4-FFF2-40B4-BE49-F238E27FC236}">
+                <a16:creationId xmlns:a16="http://schemas.microsoft.com/office/drawing/2014/main" id="{638CA81A-8CE2-E0BB-6DD4-088769AB971E}"/>
+              </a:ext>
+            </a:extLst>
+          </p:cNvPr>
           <p:cNvSpPr>
             <a:spLocks noGrp="1"/>
           </p:cNvSpPr>
@@ -2775,8 +3000,8 @@
         </p:nvSpPr>
         <p:spPr>
           <a:xfrm>
-            <a:off x="6553200" y="6356350"/>
-            <a:ext cx="2133600" cy="365125"/>
+            <a:off x="6457950" y="6356351"/>
+            <a:ext cx="2057400" cy="365125"/>
           </a:xfrm>
           <a:prstGeom prst="rect">
             <a:avLst/>
@@ -2786,10 +3011,10 @@
           <a:bodyPr vert="horz" lIns="91440" tIns="45720" rIns="91440" bIns="45720" rtlCol="0" anchor="ctr"/>
           <a:lstStyle>
             <a:lvl1pPr algn="r">
-              <a:defRPr sz="1200">
+              <a:defRPr sz="900">
                 <a:solidFill>
                   <a:schemeClr val="tx1">
-                    <a:tint val="75000"/>
+                    <a:tint val="82000"/>
                   </a:schemeClr>
                 </a:solidFill>
               </a:defRPr>
@@ -2807,32 +3032,35 @@
     </p:spTree>
     <p:extLst>
       <p:ext uri="{BB962C8B-B14F-4D97-AF65-F5344CB8AC3E}">
-        <p14:creationId xmlns:p14="http://schemas.microsoft.com/office/powerpoint/2010/main" val="2209977519"/>
+        <p14:creationId xmlns:p14="http://schemas.microsoft.com/office/powerpoint/2010/main" val="3486504932"/>
       </p:ext>
     </p:extLst>
   </p:cSld>
   <p:clrMap bg1="lt1" tx1="dk1" bg2="lt2" tx2="dk2" accent1="accent1" accent2="accent2" accent3="accent3" accent4="accent4" accent5="accent5" accent6="accent6" hlink="hlink" folHlink="folHlink"/>
   <p:sldLayoutIdLst>
-    <p:sldLayoutId id="2147483649" r:id="rId1"/>
-    <p:sldLayoutId id="2147483650" r:id="rId2"/>
-    <p:sldLayoutId id="2147483651" r:id="rId3"/>
-    <p:sldLayoutId id="2147483652" r:id="rId4"/>
-    <p:sldLayoutId id="2147483653" r:id="rId5"/>
-    <p:sldLayoutId id="2147483654" r:id="rId6"/>
-    <p:sldLayoutId id="2147483655" r:id="rId7"/>
-    <p:sldLayoutId id="2147483656" r:id="rId8"/>
-    <p:sldLayoutId id="2147483657" r:id="rId9"/>
-    <p:sldLayoutId id="2147483658" r:id="rId10"/>
-    <p:sldLayoutId id="2147483659" r:id="rId11"/>
+    <p:sldLayoutId id="2147483696" r:id="rId1"/>
+    <p:sldLayoutId id="2147483697" r:id="rId2"/>
+    <p:sldLayoutId id="2147483698" r:id="rId3"/>
+    <p:sldLayoutId id="2147483699" r:id="rId4"/>
+    <p:sldLayoutId id="2147483700" r:id="rId5"/>
+    <p:sldLayoutId id="2147483701" r:id="rId6"/>
+    <p:sldLayoutId id="2147483702" r:id="rId7"/>
+    <p:sldLayoutId id="2147483703" r:id="rId8"/>
+    <p:sldLayoutId id="2147483704" r:id="rId9"/>
+    <p:sldLayoutId id="2147483705" r:id="rId10"/>
+    <p:sldLayoutId id="2147483706" r:id="rId11"/>
   </p:sldLayoutIdLst>
   <p:txStyles>
     <p:titleStyle>
-      <a:lvl1pPr algn="ctr" defTabSz="457200" rtl="0" eaLnBrk="1" latinLnBrk="0" hangingPunct="1">
+      <a:lvl1pPr algn="l" defTabSz="685800" rtl="0" eaLnBrk="1" latinLnBrk="0" hangingPunct="1">
+        <a:lnSpc>
+          <a:spcPct val="90000"/>
+        </a:lnSpc>
         <a:spcBef>
           <a:spcPct val="0"/>
         </a:spcBef>
         <a:buNone/>
-        <a:defRPr sz="4400" kern="1200">
+        <a:defRPr sz="3300" kern="1200">
           <a:solidFill>
             <a:schemeClr val="tx1"/>
           </a:solidFill>
@@ -2843,13 +3071,16 @@
       </a:lvl1pPr>
     </p:titleStyle>
     <p:bodyStyle>
-      <a:lvl1pPr marL="342900" indent="-342900" algn="l" defTabSz="457200" rtl="0" eaLnBrk="1" latinLnBrk="0" hangingPunct="1">
+      <a:lvl1pPr marL="171450" indent="-171450" algn="l" defTabSz="685800" rtl="0" eaLnBrk="1" latinLnBrk="0" hangingPunct="1">
+        <a:lnSpc>
+          <a:spcPct val="90000"/>
+        </a:lnSpc>
         <a:spcBef>
-          <a:spcPct val="20000"/>
+          <a:spcPts val="750"/>
         </a:spcBef>
-        <a:buFont typeface="Arial"/>
+        <a:buFont typeface="Arial" panose="020B0604020202020204" pitchFamily="34" charset="0"/>
         <a:buChar char="•"/>
-        <a:defRPr sz="3200" kern="1200">
+        <a:defRPr sz="2100" kern="1200">
           <a:solidFill>
             <a:schemeClr val="tx1"/>
           </a:solidFill>
@@ -2858,13 +3089,16 @@
           <a:cs typeface="+mn-cs"/>
         </a:defRPr>
       </a:lvl1pPr>
-      <a:lvl2pPr marL="742950" indent="-285750" algn="l" defTabSz="457200" rtl="0" eaLnBrk="1" latinLnBrk="0" hangingPunct="1">
+      <a:lvl2pPr marL="514350" indent="-171450" algn="l" defTabSz="685800" rtl="0" eaLnBrk="1" latinLnBrk="0" hangingPunct="1">
+        <a:lnSpc>
+          <a:spcPct val="90000"/>
+        </a:lnSpc>
         <a:spcBef>
-          <a:spcPct val="20000"/>
+          <a:spcPts val="375"/>
         </a:spcBef>
-        <a:buFont typeface="Arial"/>
-        <a:buChar char="–"/>
-        <a:defRPr sz="2800" kern="1200">
+        <a:buFont typeface="Arial" panose="020B0604020202020204" pitchFamily="34" charset="0"/>
+        <a:buChar char="•"/>
+        <a:defRPr sz="1800" kern="1200">
           <a:solidFill>
             <a:schemeClr val="tx1"/>
           </a:solidFill>
@@ -2873,13 +3107,16 @@
           <a:cs typeface="+mn-cs"/>
         </a:defRPr>
       </a:lvl2pPr>
-      <a:lvl3pPr marL="1143000" indent="-228600" algn="l" defTabSz="457200" rtl="0" eaLnBrk="1" latinLnBrk="0" hangingPunct="1">
+      <a:lvl3pPr marL="857250" indent="-171450" algn="l" defTabSz="685800" rtl="0" eaLnBrk="1" latinLnBrk="0" hangingPunct="1">
+        <a:lnSpc>
+          <a:spcPct val="90000"/>
+        </a:lnSpc>
         <a:spcBef>
-          <a:spcPct val="20000"/>
+          <a:spcPts val="375"/>
         </a:spcBef>
-        <a:buFont typeface="Arial"/>
+        <a:buFont typeface="Arial" panose="020B0604020202020204" pitchFamily="34" charset="0"/>
         <a:buChar char="•"/>
-        <a:defRPr sz="2400" kern="1200">
+        <a:defRPr sz="1500" kern="1200">
           <a:solidFill>
             <a:schemeClr val="tx1"/>
           </a:solidFill>
@@ -2888,13 +3125,16 @@
           <a:cs typeface="+mn-cs"/>
         </a:defRPr>
       </a:lvl3pPr>
-      <a:lvl4pPr marL="1600200" indent="-228600" algn="l" defTabSz="457200" rtl="0" eaLnBrk="1" latinLnBrk="0" hangingPunct="1">
+      <a:lvl4pPr marL="1200150" indent="-171450" algn="l" defTabSz="685800" rtl="0" eaLnBrk="1" latinLnBrk="0" hangingPunct="1">
+        <a:lnSpc>
+          <a:spcPct val="90000"/>
+        </a:lnSpc>
         <a:spcBef>
-          <a:spcPct val="20000"/>
+          <a:spcPts val="375"/>
         </a:spcBef>
-        <a:buFont typeface="Arial"/>
-        <a:buChar char="–"/>
-        <a:defRPr sz="2000" kern="1200">
+        <a:buFont typeface="Arial" panose="020B0604020202020204" pitchFamily="34" charset="0"/>
+        <a:buChar char="•"/>
+        <a:defRPr sz="1350" kern="1200">
           <a:solidFill>
             <a:schemeClr val="tx1"/>
           </a:solidFill>
@@ -2903,13 +3143,16 @@
           <a:cs typeface="+mn-cs"/>
         </a:defRPr>
       </a:lvl4pPr>
-      <a:lvl5pPr marL="2057400" indent="-228600" algn="l" defTabSz="457200" rtl="0" eaLnBrk="1" latinLnBrk="0" hangingPunct="1">
+      <a:lvl5pPr marL="1543050" indent="-171450" algn="l" defTabSz="685800" rtl="0" eaLnBrk="1" latinLnBrk="0" hangingPunct="1">
+        <a:lnSpc>
+          <a:spcPct val="90000"/>
+        </a:lnSpc>
         <a:spcBef>
-          <a:spcPct val="20000"/>
+          <a:spcPts val="375"/>
         </a:spcBef>
-        <a:buFont typeface="Arial"/>
-        <a:buChar char="»"/>
-        <a:defRPr sz="2000" kern="1200">
+        <a:buFont typeface="Arial" panose="020B0604020202020204" pitchFamily="34" charset="0"/>
+        <a:buChar char="•"/>
+        <a:defRPr sz="1350" kern="1200">
           <a:solidFill>
             <a:schemeClr val="tx1"/>
           </a:solidFill>
@@ -2918,13 +3161,16 @@
           <a:cs typeface="+mn-cs"/>
         </a:defRPr>
       </a:lvl5pPr>
-      <a:lvl6pPr marL="2514600" indent="-228600" algn="l" defTabSz="457200" rtl="0" eaLnBrk="1" latinLnBrk="0" hangingPunct="1">
+      <a:lvl6pPr marL="1885950" indent="-171450" algn="l" defTabSz="685800" rtl="0" eaLnBrk="1" latinLnBrk="0" hangingPunct="1">
+        <a:lnSpc>
+          <a:spcPct val="90000"/>
+        </a:lnSpc>
         <a:spcBef>
-          <a:spcPct val="20000"/>
+          <a:spcPts val="375"/>
         </a:spcBef>
-        <a:buFont typeface="Arial"/>
+        <a:buFont typeface="Arial" panose="020B0604020202020204" pitchFamily="34" charset="0"/>
         <a:buChar char="•"/>
-        <a:defRPr sz="2000" kern="1200">
+        <a:defRPr sz="1350" kern="1200">
           <a:solidFill>
             <a:schemeClr val="tx1"/>
           </a:solidFill>
@@ -2933,13 +3179,16 @@
           <a:cs typeface="+mn-cs"/>
         </a:defRPr>
       </a:lvl6pPr>
-      <a:lvl7pPr marL="2971800" indent="-228600" algn="l" defTabSz="457200" rtl="0" eaLnBrk="1" latinLnBrk="0" hangingPunct="1">
+      <a:lvl7pPr marL="2228850" indent="-171450" algn="l" defTabSz="685800" rtl="0" eaLnBrk="1" latinLnBrk="0" hangingPunct="1">
+        <a:lnSpc>
+          <a:spcPct val="90000"/>
+        </a:lnSpc>
         <a:spcBef>
-          <a:spcPct val="20000"/>
+          <a:spcPts val="375"/>
         </a:spcBef>
-        <a:buFont typeface="Arial"/>
+        <a:buFont typeface="Arial" panose="020B0604020202020204" pitchFamily="34" charset="0"/>
         <a:buChar char="•"/>
-        <a:defRPr sz="2000" kern="1200">
+        <a:defRPr sz="1350" kern="1200">
           <a:solidFill>
             <a:schemeClr val="tx1"/>
           </a:solidFill>
@@ -2948,13 +3197,16 @@
           <a:cs typeface="+mn-cs"/>
         </a:defRPr>
       </a:lvl7pPr>
-      <a:lvl8pPr marL="3429000" indent="-228600" algn="l" defTabSz="457200" rtl="0" eaLnBrk="1" latinLnBrk="0" hangingPunct="1">
+      <a:lvl8pPr marL="2571750" indent="-171450" algn="l" defTabSz="685800" rtl="0" eaLnBrk="1" latinLnBrk="0" hangingPunct="1">
+        <a:lnSpc>
+          <a:spcPct val="90000"/>
+        </a:lnSpc>
         <a:spcBef>
-          <a:spcPct val="20000"/>
+          <a:spcPts val="375"/>
         </a:spcBef>
-        <a:buFont typeface="Arial"/>
+        <a:buFont typeface="Arial" panose="020B0604020202020204" pitchFamily="34" charset="0"/>
         <a:buChar char="•"/>
-        <a:defRPr sz="2000" kern="1200">
+        <a:defRPr sz="1350" kern="1200">
           <a:solidFill>
             <a:schemeClr val="tx1"/>
           </a:solidFill>
@@ -2963,13 +3215,16 @@
           <a:cs typeface="+mn-cs"/>
         </a:defRPr>
       </a:lvl8pPr>
-      <a:lvl9pPr marL="3886200" indent="-228600" algn="l" defTabSz="457200" rtl="0" eaLnBrk="1" latinLnBrk="0" hangingPunct="1">
+      <a:lvl9pPr marL="2914650" indent="-171450" algn="l" defTabSz="685800" rtl="0" eaLnBrk="1" latinLnBrk="0" hangingPunct="1">
+        <a:lnSpc>
+          <a:spcPct val="90000"/>
+        </a:lnSpc>
         <a:spcBef>
-          <a:spcPct val="20000"/>
+          <a:spcPts val="375"/>
         </a:spcBef>
-        <a:buFont typeface="Arial"/>
+        <a:buFont typeface="Arial" panose="020B0604020202020204" pitchFamily="34" charset="0"/>
         <a:buChar char="•"/>
-        <a:defRPr sz="2000" kern="1200">
+        <a:defRPr sz="1350" kern="1200">
           <a:solidFill>
             <a:schemeClr val="tx1"/>
           </a:solidFill>
@@ -2983,8 +3238,8 @@
       <a:defPPr>
         <a:defRPr lang="en-US"/>
       </a:defPPr>
-      <a:lvl1pPr marL="0" algn="l" defTabSz="457200" rtl="0" eaLnBrk="1" latinLnBrk="0" hangingPunct="1">
-        <a:defRPr sz="1800" kern="1200">
+      <a:lvl1pPr marL="0" algn="l" defTabSz="685800" rtl="0" eaLnBrk="1" latinLnBrk="0" hangingPunct="1">
+        <a:defRPr sz="1350" kern="1200">
           <a:solidFill>
             <a:schemeClr val="tx1"/>
           </a:solidFill>
@@ -2993,8 +3248,8 @@
           <a:cs typeface="+mn-cs"/>
         </a:defRPr>
       </a:lvl1pPr>
-      <a:lvl2pPr marL="457200" algn="l" defTabSz="457200" rtl="0" eaLnBrk="1" latinLnBrk="0" hangingPunct="1">
-        <a:defRPr sz="1800" kern="1200">
+      <a:lvl2pPr marL="342900" algn="l" defTabSz="685800" rtl="0" eaLnBrk="1" latinLnBrk="0" hangingPunct="1">
+        <a:defRPr sz="1350" kern="1200">
           <a:solidFill>
             <a:schemeClr val="tx1"/>
           </a:solidFill>
@@ -3003,8 +3258,8 @@
           <a:cs typeface="+mn-cs"/>
         </a:defRPr>
       </a:lvl2pPr>
-      <a:lvl3pPr marL="914400" algn="l" defTabSz="457200" rtl="0" eaLnBrk="1" latinLnBrk="0" hangingPunct="1">
-        <a:defRPr sz="1800" kern="1200">
+      <a:lvl3pPr marL="685800" algn="l" defTabSz="685800" rtl="0" eaLnBrk="1" latinLnBrk="0" hangingPunct="1">
+        <a:defRPr sz="1350" kern="1200">
           <a:solidFill>
             <a:schemeClr val="tx1"/>
           </a:solidFill>
@@ -3013,8 +3268,8 @@
           <a:cs typeface="+mn-cs"/>
         </a:defRPr>
       </a:lvl3pPr>
-      <a:lvl4pPr marL="1371600" algn="l" defTabSz="457200" rtl="0" eaLnBrk="1" latinLnBrk="0" hangingPunct="1">
-        <a:defRPr sz="1800" kern="1200">
+      <a:lvl4pPr marL="1028700" algn="l" defTabSz="685800" rtl="0" eaLnBrk="1" latinLnBrk="0" hangingPunct="1">
+        <a:defRPr sz="1350" kern="1200">
           <a:solidFill>
             <a:schemeClr val="tx1"/>
           </a:solidFill>
@@ -3023,8 +3278,8 @@
           <a:cs typeface="+mn-cs"/>
         </a:defRPr>
       </a:lvl4pPr>
-      <a:lvl5pPr marL="1828800" algn="l" defTabSz="457200" rtl="0" eaLnBrk="1" latinLnBrk="0" hangingPunct="1">
-        <a:defRPr sz="1800" kern="1200">
+      <a:lvl5pPr marL="1371600" algn="l" defTabSz="685800" rtl="0" eaLnBrk="1" latinLnBrk="0" hangingPunct="1">
+        <a:defRPr sz="1350" kern="1200">
           <a:solidFill>
             <a:schemeClr val="tx1"/>
           </a:solidFill>
@@ -3033,8 +3288,8 @@
           <a:cs typeface="+mn-cs"/>
         </a:defRPr>
       </a:lvl5pPr>
-      <a:lvl6pPr marL="2286000" algn="l" defTabSz="457200" rtl="0" eaLnBrk="1" latinLnBrk="0" hangingPunct="1">
-        <a:defRPr sz="1800" kern="1200">
+      <a:lvl6pPr marL="1714500" algn="l" defTabSz="685800" rtl="0" eaLnBrk="1" latinLnBrk="0" hangingPunct="1">
+        <a:defRPr sz="1350" kern="1200">
           <a:solidFill>
             <a:schemeClr val="tx1"/>
           </a:solidFill>
@@ -3043,8 +3298,8 @@
           <a:cs typeface="+mn-cs"/>
         </a:defRPr>
       </a:lvl6pPr>
-      <a:lvl7pPr marL="2743200" algn="l" defTabSz="457200" rtl="0" eaLnBrk="1" latinLnBrk="0" hangingPunct="1">
-        <a:defRPr sz="1800" kern="1200">
+      <a:lvl7pPr marL="2057400" algn="l" defTabSz="685800" rtl="0" eaLnBrk="1" latinLnBrk="0" hangingPunct="1">
+        <a:defRPr sz="1350" kern="1200">
           <a:solidFill>
             <a:schemeClr val="tx1"/>
           </a:solidFill>
@@ -3053,8 +3308,8 @@
           <a:cs typeface="+mn-cs"/>
         </a:defRPr>
       </a:lvl7pPr>
-      <a:lvl8pPr marL="3200400" algn="l" defTabSz="457200" rtl="0" eaLnBrk="1" latinLnBrk="0" hangingPunct="1">
-        <a:defRPr sz="1800" kern="1200">
+      <a:lvl8pPr marL="2400300" algn="l" defTabSz="685800" rtl="0" eaLnBrk="1" latinLnBrk="0" hangingPunct="1">
+        <a:defRPr sz="1350" kern="1200">
           <a:solidFill>
             <a:schemeClr val="tx1"/>
           </a:solidFill>
@@ -3063,8 +3318,8 @@
           <a:cs typeface="+mn-cs"/>
         </a:defRPr>
       </a:lvl8pPr>
-      <a:lvl9pPr marL="3657600" algn="l" defTabSz="457200" rtl="0" eaLnBrk="1" latinLnBrk="0" hangingPunct="1">
-        <a:defRPr sz="1800" kern="1200">
+      <a:lvl9pPr marL="2743200" algn="l" defTabSz="685800" rtl="0" eaLnBrk="1" latinLnBrk="0" hangingPunct="1">
+        <a:defRPr sz="1350" kern="1200">
           <a:solidFill>
             <a:schemeClr val="tx1"/>
           </a:solidFill>
@@ -3079,7 +3334,7 @@
 </file>
 
 <file path=ppt/slides/slide1.xml><?xml version="1.0" encoding="utf-8"?>
-<p:sld xmlns:a="http://schemas.openxmlformats.org/drawingml/2006/main" xmlns:p="http://schemas.openxmlformats.org/presentationml/2006/main" xmlns:r="http://schemas.openxmlformats.org/officeDocument/2006/relationships">
+<p:sld xmlns:a="http://schemas.openxmlformats.org/drawingml/2006/main" xmlns:r="http://schemas.openxmlformats.org/officeDocument/2006/relationships" xmlns:p="http://schemas.openxmlformats.org/presentationml/2006/main">
   <p:cSld>
     <p:spTree>
       <p:nvGrpSpPr>
@@ -3087,7 +3342,14 @@
         <p:cNvGrpSpPr/>
         <p:nvPr/>
       </p:nvGrpSpPr>
-      <p:grpSpPr/>
+      <p:grpSpPr>
+        <a:xfrm>
+          <a:off x="0" y="0"/>
+          <a:ext cx="0" cy="0"/>
+          <a:chOff x="0" y="0"/>
+          <a:chExt cx="0" cy="0"/>
+        </a:xfrm>
+      </p:grpSpPr>
       <p:sp>
         <p:nvSpPr>
           <p:cNvPr id="2" name="Title 1"/>
@@ -3102,7 +3364,11 @@
         <p:txBody>
           <a:bodyPr/>
           <a:lstStyle/>
-          <a:p/>
+          <a:p>
+            <a:r>
+              <a:t>BY M.S.H</a:t>
+            </a:r>
+          </a:p>
         </p:txBody>
       </p:sp>
       <p:sp>
@@ -3121,288 +3387,1243 @@
           <a:lstStyle/>
           <a:p>
             <a:r>
-              <a:t>---</a:t>
-            </a:r>
-          </a:p>
-          <a:p>
-            <a:r>
-              <a:t>What  is  a  Heart  Attack ?</a:t>
-            </a:r>
-          </a:p>
-          <a:p>
-            <a:r>
-              <a:t>Block age  of  blood  flow  to  the  heart  muscle</a:t>
-            </a:r>
-          </a:p>
-          <a:p>
-            <a:r>
-              <a:t>Insufficient  oxygen  delivery ,  leading  to  damage  or  death  of  heart  tissue</a:t>
-            </a:r>
-          </a:p>
-          <a:p>
-            <a:r>
-              <a:t>Also  known  as  My ocardial  In far ction</a:t>
-            </a:r>
-          </a:p>
-          <a:p>
-            <a:r>
-              <a:t>Causes  of  Heart  Attacks :</a:t>
-            </a:r>
-          </a:p>
-          <a:p>
-            <a:r>
-              <a:t>Blood  clots  blocking  coronary  arteries  ( usually  due  to  atherosclerosis )</a:t>
-            </a:r>
-          </a:p>
-          <a:p>
-            <a:r>
-              <a:t>Plaque  in  arteries  can  crack  and  trigger  clot  formation</a:t>
-            </a:r>
-          </a:p>
-          <a:p>
-            <a:r>
-              <a:t>Other  less  common  causes :  blood  vessel  problems ,  severe  coronary  artery  spasm</a:t>
-            </a:r>
-          </a:p>
-          <a:p>
-            <a:r>
-              <a:t>Am  I  at  Risk ?</a:t>
-            </a:r>
-          </a:p>
-          <a:p>
-            <a:r>
-              <a:t>Risk  factors  include  diabetes ,  family  history  of  CAD ,  high  fat  diet ,  smoking ,  high  BP ,  unhealthy  cholesterol  levels ,  lack  of  exercise ,  stress ,  age  ( men  over   4 5 ,  women  over   5 5 )</a:t>
-            </a:r>
-          </a:p>
-          <a:p>
-            <a:r>
-              <a:t>Symptoms  of  a  Heart  Attack :</a:t>
-            </a:r>
-          </a:p>
-          <a:p>
-            <a:r>
-              <a:t>Short ness  of  breath</a:t>
-            </a:r>
-          </a:p>
-          <a:p>
-            <a:r>
-              <a:t>Loss  of  consciousness</a:t>
-            </a:r>
-          </a:p>
-          <a:p>
-            <a:r>
-              <a:t>Pers piration</a:t>
-            </a:r>
-          </a:p>
-          <a:p>
-            <a:r>
-              <a:t>Severe  crushing  pain  in  the  chest  ( Ang ina ),  possible  spreading  to  left  arm ,  shoulder ,  neck  or  jaw</a:t>
-            </a:r>
-          </a:p>
-          <a:p>
-            <a:r>
-              <a:t>Light - headed ness</a:t>
-            </a:r>
-          </a:p>
-          <a:p>
-            <a:r>
-              <a:t>Nausea  and  vomiting</a:t>
-            </a:r>
-          </a:p>
-          <a:p>
-            <a:r>
-              <a:t>Diagnos ing  a  Heart  Attack</a:t>
-            </a:r>
-          </a:p>
-          <a:p>
-            <a:r>
-              <a:t>Phys icians  utilize  stethoscope  for  abnormal  heart  rhythms / sounds</a:t>
-            </a:r>
-          </a:p>
-          <a:p>
-            <a:r>
-              <a:t>Pulse  &amp;  blood  pressure  check</a:t>
-            </a:r>
-          </a:p>
-          <a:p>
-            <a:r>
-              <a:t>Electro cardio grams  ( ECG )  detect  irregular  heart  beats</a:t>
-            </a:r>
-          </a:p>
-          <a:p>
-            <a:r>
-              <a:t>Blood  tests :  high  levels  of  cardiac  enzymes  indicate  damaged  muscle .</a:t>
-            </a:r>
-          </a:p>
-          <a:p>
-            <a:r>
-              <a:t>Treating  a  Heart  Attack :</a:t>
-            </a:r>
-          </a:p>
-          <a:p>
-            <a:r>
-              <a:t>Asp irin  to  dissolve  clots  while  the  attack  is  occurring .</a:t>
-            </a:r>
-          </a:p>
-          <a:p>
-            <a:r>
-              <a:t>C lot - bust ing  drugs  like  strepto kinase  and  nitrates  administered  through  ambulance  or  doctor .</a:t>
-            </a:r>
-          </a:p>
-          <a:p>
-            <a:r>
-              <a:t>Surgery  may  be  necessary  to  clear / open  blocked  arteries .</a:t>
-            </a:r>
-          </a:p>
-          <a:p>
-            <a:r>
-              <a:t>Oxygen ,  CPR ,  def ib rillation  if  needed</a:t>
-            </a:r>
-          </a:p>
-          <a:p>
-            <a:r>
-              <a:t>After  Stabilization :</a:t>
-            </a:r>
-          </a:p>
-          <a:p>
-            <a:r>
-              <a:t>Throm b olytic  Therapy  ( blood  clot  dissolving  medication )</a:t>
-            </a:r>
-          </a:p>
-          <a:p>
-            <a:r>
-              <a:t>Beta - block ers :  lower  heart  workload ,  relieve  pains  and  correct  arrhyth mia .</a:t>
-            </a:r>
-          </a:p>
-          <a:p>
-            <a:r>
-              <a:t>ACE  inhibitors :  lower  blood  pressure ,  reduce  strain  on  the  heart .</a:t>
-            </a:r>
-          </a:p>
-          <a:p>
-            <a:r>
-              <a:t>An tico ag ulents :  thin  blood  to  prevent  clots .</a:t>
-            </a:r>
-          </a:p>
-          <a:p>
-            <a:r>
-              <a:t>Anti plate let  medicines :  stop  platelets  from  clump ing  together .</a:t>
-            </a:r>
-          </a:p>
-          <a:p>
-            <a:r>
-              <a:t>More  Advanced  Treatments</a:t>
-            </a:r>
-          </a:p>
-          <a:p>
-            <a:r>
-              <a:t>Ang iop lasty  ( Balloon  dilation  of  blocked  arteries )  followed  by  st enting  if  needed .</a:t>
-            </a:r>
-          </a:p>
-          <a:p>
-            <a:r>
-              <a:t>Coronary  Ar tery  Bypass  Gra fting  ( surgical  rer outing  of  blood  flow )</a:t>
-            </a:r>
-          </a:p>
-          <a:p>
-            <a:r>
-              <a:t>These  procedures  can  require  open - heart  surgery</a:t>
-            </a:r>
-          </a:p>
-          <a:p>
-            <a:r>
-              <a:t>Re habilitation :</a:t>
-            </a:r>
-          </a:p>
-          <a:p>
-            <a:r>
-              <a:t>Discharge  from  hospital  after  a  week  at  earliest .</a:t>
-            </a:r>
-          </a:p>
-          <a:p>
-            <a:r>
-              <a:t>Gradually  increasing  activity  over   8  weeks .</a:t>
-            </a:r>
-          </a:p>
-          <a:p>
-            <a:r>
-              <a:t>Resume  full  schedule  after   2  months  out  of  the  hospital .</a:t>
-            </a:r>
-          </a:p>
-          <a:p>
-            <a:r>
-              <a:t>Long  term  treatment  with  beta - block ers  and  aspirin .</a:t>
-            </a:r>
-          </a:p>
-          <a:p>
-            <a:r>
-              <a:t>Medications  to  lower  cholesterol  and  control  diabetes .</a:t>
-            </a:r>
-          </a:p>
-          <a:p>
-            <a:r>
-              <a:t>Facts :</a:t>
-            </a:r>
-          </a:p>
-          <a:p>
-            <a:r>
-              <a:t>4 0 %  of  heart  attacks  are  fatal ,  half  in  first  hour</a:t>
-            </a:r>
-          </a:p>
-          <a:p>
-            <a:r>
-              <a:t>Over   1 . 1  million  heart  attacks  in  the  US  each  year</a:t>
-            </a:r>
-          </a:p>
-          <a:p>
-            <a:r>
-              <a:t>Leading  killer  in  America</a:t>
-            </a:r>
-          </a:p>
-          <a:p>
-            <a:r>
-              <a:t>Prevention :</a:t>
-            </a:r>
-          </a:p>
-          <a:p>
-            <a:r>
-              <a:t>Don ’ t  smoke</a:t>
-            </a:r>
-          </a:p>
-          <a:p>
-            <a:r>
-              <a:t>Healthy  diet</a:t>
-            </a:r>
-          </a:p>
-          <a:p>
-            <a:r>
-              <a:t>Control  blood  sugar</a:t>
-            </a:r>
-          </a:p>
-          <a:p>
-            <a:r>
-              <a:t>Exercise</a:t>
-            </a:r>
-          </a:p>
-          <a:p>
-            <a:r>
-              <a:t>Lose  weight  if  obese</a:t>
-            </a:r>
-          </a:p>
-          <a:p>
-            <a:r>
-              <a:t>Control  BP</a:t>
-            </a:r>
-          </a:p>
-          <a:p>
-            <a:r>
-              <a:t>Lower  fat ,  lower  salt  intake  and  lower  cholesterol .</a:t>
-            </a:r>
-          </a:p>
-          <a:p>
-            <a:r>
-              <a:t>---</a:t>
-            </a:r>
+              <a:t>--</a:t>
+            </a:r>
+          </a:p>
+          <a:p>
+            <a:endParaRPr/>
+          </a:p>
+        </p:txBody>
+      </p:sp>
+    </p:spTree>
+  </p:cSld>
+  <p:clrMapOvr>
+    <a:masterClrMapping/>
+  </p:clrMapOvr>
+</p:sld>
+</file>
+
+<file path=ppt/slides/slide10.xml><?xml version="1.0" encoding="utf-8"?>
+<p:sld xmlns:a="http://schemas.openxmlformats.org/drawingml/2006/main" xmlns:r="http://schemas.openxmlformats.org/officeDocument/2006/relationships" xmlns:p="http://schemas.openxmlformats.org/presentationml/2006/main">
+  <p:cSld>
+    <p:spTree>
+      <p:nvGrpSpPr>
+        <p:cNvPr id="1" name=""/>
+        <p:cNvGrpSpPr/>
+        <p:nvPr/>
+      </p:nvGrpSpPr>
+      <p:grpSpPr>
+        <a:xfrm>
+          <a:off x="0" y="0"/>
+          <a:ext cx="0" cy="0"/>
+          <a:chOff x="0" y="0"/>
+          <a:chExt cx="0" cy="0"/>
+        </a:xfrm>
+      </p:grpSpPr>
+      <p:sp>
+        <p:nvSpPr>
+          <p:cNvPr id="2" name="Title 1"/>
+          <p:cNvSpPr>
+            <a:spLocks noGrp="1"/>
+          </p:cNvSpPr>
+          <p:nvPr>
+            <p:ph type="title"/>
+          </p:nvPr>
+        </p:nvSpPr>
+        <p:spPr/>
+        <p:txBody>
+          <a:bodyPr/>
+          <a:lstStyle/>
+          <a:p>
+            <a:r>
+              <a:t>More Advanced Treatments</a:t>
+            </a:r>
+          </a:p>
+        </p:txBody>
+      </p:sp>
+      <p:sp>
+        <p:nvSpPr>
+          <p:cNvPr id="3" name="Content Placeholder 2"/>
+          <p:cNvSpPr>
+            <a:spLocks noGrp="1"/>
+          </p:cNvSpPr>
+          <p:nvPr>
+            <p:ph idx="1"/>
+          </p:nvPr>
+        </p:nvSpPr>
+        <p:spPr/>
+        <p:txBody>
+          <a:bodyPr/>
+          <a:lstStyle/>
+          <a:p>
+            <a:r>
+              <a:t>**Angioplasty**:</a:t>
+            </a:r>
+          </a:p>
+          <a:p>
+            <a:r>
+              <a:t>Balloon opens blocked arteries.</a:t>
+            </a:r>
+          </a:p>
+          <a:p>
+            <a:r>
+              <a:t>May involve stent placement.</a:t>
+            </a:r>
+          </a:p>
+          <a:p>
+            <a:r>
+              <a:t>**Coronary Artery Bypass Grafting (CABG)**:</a:t>
+            </a:r>
+          </a:p>
+          <a:p>
+            <a:r>
+              <a:t>Arteries/veins from other parts of the body bypass blocked arteries.</a:t>
+            </a:r>
+          </a:p>
+          <a:p>
+            <a:r>
+              <a:t>Open-heart surgery if heart ruptures.</a:t>
+            </a:r>
+          </a:p>
+          <a:p>
+            <a:r>
+              <a:t>--</a:t>
+            </a:r>
+          </a:p>
+          <a:p>
+            <a:endParaRPr/>
+          </a:p>
+        </p:txBody>
+      </p:sp>
+    </p:spTree>
+  </p:cSld>
+  <p:clrMapOvr>
+    <a:masterClrMapping/>
+  </p:clrMapOvr>
+</p:sld>
+</file>
+
+<file path=ppt/slides/slide11.xml><?xml version="1.0" encoding="utf-8"?>
+<p:sld xmlns:a="http://schemas.openxmlformats.org/drawingml/2006/main" xmlns:r="http://schemas.openxmlformats.org/officeDocument/2006/relationships" xmlns:p="http://schemas.openxmlformats.org/presentationml/2006/main">
+  <p:cSld>
+    <p:spTree>
+      <p:nvGrpSpPr>
+        <p:cNvPr id="1" name=""/>
+        <p:cNvGrpSpPr/>
+        <p:nvPr/>
+      </p:nvGrpSpPr>
+      <p:grpSpPr>
+        <a:xfrm>
+          <a:off x="0" y="0"/>
+          <a:ext cx="0" cy="0"/>
+          <a:chOff x="0" y="0"/>
+          <a:chExt cx="0" cy="0"/>
+        </a:xfrm>
+      </p:grpSpPr>
+      <p:sp>
+        <p:nvSpPr>
+          <p:cNvPr id="2" name="Title 1"/>
+          <p:cNvSpPr>
+            <a:spLocks noGrp="1"/>
+          </p:cNvSpPr>
+          <p:nvPr>
+            <p:ph type="title"/>
+          </p:nvPr>
+        </p:nvSpPr>
+        <p:spPr/>
+        <p:txBody>
+          <a:bodyPr/>
+          <a:lstStyle/>
+          <a:p>
+            <a:r>
+              <a:t>Rehabilitation and Recovery</a:t>
+            </a:r>
+          </a:p>
+        </p:txBody>
+      </p:sp>
+      <p:sp>
+        <p:nvSpPr>
+          <p:cNvPr id="3" name="Content Placeholder 2"/>
+          <p:cNvSpPr>
+            <a:spLocks noGrp="1"/>
+          </p:cNvSpPr>
+          <p:nvPr>
+            <p:ph idx="1"/>
+          </p:nvPr>
+        </p:nvSpPr>
+        <p:spPr/>
+        <p:txBody>
+          <a:bodyPr/>
+          <a:lstStyle/>
+          <a:p>
+            <a:r>
+              <a:t>Discharge after a week (minimum).</a:t>
+            </a:r>
+          </a:p>
+          <a:p>
+            <a:r>
+              <a:t>Gradual increase in activities over 8 weeks.</a:t>
+            </a:r>
+          </a:p>
+          <a:p>
+            <a:r>
+              <a:t>Resume normal schedule in 2 months.</a:t>
+            </a:r>
+          </a:p>
+          <a:p>
+            <a:r>
+              <a:t>Long-term medications:</a:t>
+            </a:r>
+          </a:p>
+          <a:p>
+            <a:r>
+              <a:t>Beta-blockers, aspirin, cholesterol-lowering drugs.</a:t>
+            </a:r>
+          </a:p>
+          <a:p>
+            <a:r>
+              <a:t>Warfarin for severely damaged hearts.</a:t>
+            </a:r>
+          </a:p>
+          <a:p>
+            <a:r>
+              <a:t>--</a:t>
+            </a:r>
+          </a:p>
+          <a:p>
+            <a:endParaRPr/>
+          </a:p>
+        </p:txBody>
+      </p:sp>
+    </p:spTree>
+  </p:cSld>
+  <p:clrMapOvr>
+    <a:masterClrMapping/>
+  </p:clrMapOvr>
+</p:sld>
+</file>
+
+<file path=ppt/slides/slide12.xml><?xml version="1.0" encoding="utf-8"?>
+<p:sld xmlns:a="http://schemas.openxmlformats.org/drawingml/2006/main" xmlns:r="http://schemas.openxmlformats.org/officeDocument/2006/relationships" xmlns:p="http://schemas.openxmlformats.org/presentationml/2006/main">
+  <p:cSld>
+    <p:spTree>
+      <p:nvGrpSpPr>
+        <p:cNvPr id="1" name=""/>
+        <p:cNvGrpSpPr/>
+        <p:nvPr/>
+      </p:nvGrpSpPr>
+      <p:grpSpPr>
+        <a:xfrm>
+          <a:off x="0" y="0"/>
+          <a:ext cx="0" cy="0"/>
+          <a:chOff x="0" y="0"/>
+          <a:chExt cx="0" cy="0"/>
+        </a:xfrm>
+      </p:grpSpPr>
+      <p:sp>
+        <p:nvSpPr>
+          <p:cNvPr id="2" name="Title 1"/>
+          <p:cNvSpPr>
+            <a:spLocks noGrp="1"/>
+          </p:cNvSpPr>
+          <p:nvPr>
+            <p:ph type="title"/>
+          </p:nvPr>
+        </p:nvSpPr>
+        <p:spPr/>
+        <p:txBody>
+          <a:bodyPr/>
+          <a:lstStyle/>
+          <a:p>
+            <a:r>
+              <a:t>Heart Attack Facts</a:t>
+            </a:r>
+          </a:p>
+        </p:txBody>
+      </p:sp>
+      <p:sp>
+        <p:nvSpPr>
+          <p:cNvPr id="3" name="Content Placeholder 2"/>
+          <p:cNvSpPr>
+            <a:spLocks noGrp="1"/>
+          </p:cNvSpPr>
+          <p:nvPr>
+            <p:ph idx="1"/>
+          </p:nvPr>
+        </p:nvSpPr>
+        <p:spPr/>
+        <p:txBody>
+          <a:bodyPr/>
+          <a:lstStyle/>
+          <a:p>
+            <a:r>
+              <a:t>40% of heart attacks are fatal.</a:t>
+            </a:r>
+          </a:p>
+          <a:p>
+            <a:r>
+              <a:t>Half of deaths occur in the first hour.</a:t>
+            </a:r>
+          </a:p>
+          <a:p>
+            <a:r>
+              <a:t>Over 1.1 million heart attacks annually in the U.S.</a:t>
+            </a:r>
+          </a:p>
+          <a:p>
+            <a:r>
+              <a:t>One of the leading causes of death.</a:t>
+            </a:r>
+          </a:p>
+          <a:p>
+            <a:r>
+              <a:t>Males have a higher risk.</a:t>
+            </a:r>
+          </a:p>
+          <a:p>
+            <a:r>
+              <a:t>--</a:t>
+            </a:r>
+          </a:p>
+          <a:p>
+            <a:endParaRPr/>
+          </a:p>
+        </p:txBody>
+      </p:sp>
+    </p:spTree>
+  </p:cSld>
+  <p:clrMapOvr>
+    <a:masterClrMapping/>
+  </p:clrMapOvr>
+</p:sld>
+</file>
+
+<file path=ppt/slides/slide13.xml><?xml version="1.0" encoding="utf-8"?>
+<p:sld xmlns:a="http://schemas.openxmlformats.org/drawingml/2006/main" xmlns:r="http://schemas.openxmlformats.org/officeDocument/2006/relationships" xmlns:p="http://schemas.openxmlformats.org/presentationml/2006/main">
+  <p:cSld>
+    <p:spTree>
+      <p:nvGrpSpPr>
+        <p:cNvPr id="1" name=""/>
+        <p:cNvGrpSpPr/>
+        <p:nvPr/>
+      </p:nvGrpSpPr>
+      <p:grpSpPr>
+        <a:xfrm>
+          <a:off x="0" y="0"/>
+          <a:ext cx="0" cy="0"/>
+          <a:chOff x="0" y="0"/>
+          <a:chExt cx="0" cy="0"/>
+        </a:xfrm>
+      </p:grpSpPr>
+      <p:sp>
+        <p:nvSpPr>
+          <p:cNvPr id="2" name="Title 1"/>
+          <p:cNvSpPr>
+            <a:spLocks noGrp="1"/>
+          </p:cNvSpPr>
+          <p:nvPr>
+            <p:ph type="title"/>
+          </p:nvPr>
+        </p:nvSpPr>
+        <p:spPr/>
+        <p:txBody>
+          <a:bodyPr/>
+          <a:lstStyle/>
+          <a:p>
+            <a:r>
+              <a:t>Prevention: Reducing Your Risk</a:t>
+            </a:r>
+          </a:p>
+        </p:txBody>
+      </p:sp>
+      <p:sp>
+        <p:nvSpPr>
+          <p:cNvPr id="3" name="Content Placeholder 2"/>
+          <p:cNvSpPr>
+            <a:spLocks noGrp="1"/>
+          </p:cNvSpPr>
+          <p:nvPr>
+            <p:ph idx="1"/>
+          </p:nvPr>
+        </p:nvSpPr>
+        <p:spPr/>
+        <p:txBody>
+          <a:bodyPr/>
+          <a:lstStyle/>
+          <a:p>
+            <a:r>
+              <a:t>Avoid smoking.</a:t>
+            </a:r>
+          </a:p>
+          <a:p>
+            <a:r>
+              <a:t>Eat a healthy, low-fat, low-salt diet.</a:t>
+            </a:r>
+          </a:p>
+          <a:p>
+            <a:r>
+              <a:t>Control blood sugar, blood pressure, and cholesterol.</a:t>
+            </a:r>
+          </a:p>
+          <a:p>
+            <a:r>
+              <a:t>Exercise regularly.</a:t>
+            </a:r>
+          </a:p>
+          <a:p>
+            <a:r>
+              <a:t>Manage stress and maintain a healthy weight.</a:t>
+            </a:r>
+          </a:p>
+          <a:p>
+            <a:r>
+              <a:t>--</a:t>
+            </a:r>
+          </a:p>
+          <a:p>
+            <a:endParaRPr/>
+          </a:p>
+        </p:txBody>
+      </p:sp>
+    </p:spTree>
+  </p:cSld>
+  <p:clrMapOvr>
+    <a:masterClrMapping/>
+  </p:clrMapOvr>
+</p:sld>
+</file>
+
+<file path=ppt/slides/slide14.xml><?xml version="1.0" encoding="utf-8"?>
+<p:sld xmlns:a="http://schemas.openxmlformats.org/drawingml/2006/main" xmlns:r="http://schemas.openxmlformats.org/officeDocument/2006/relationships" xmlns:p="http://schemas.openxmlformats.org/presentationml/2006/main">
+  <p:cSld>
+    <p:spTree>
+      <p:nvGrpSpPr>
+        <p:cNvPr id="1" name=""/>
+        <p:cNvGrpSpPr/>
+        <p:nvPr/>
+      </p:nvGrpSpPr>
+      <p:grpSpPr>
+        <a:xfrm>
+          <a:off x="0" y="0"/>
+          <a:ext cx="0" cy="0"/>
+          <a:chOff x="0" y="0"/>
+          <a:chExt cx="0" cy="0"/>
+        </a:xfrm>
+      </p:grpSpPr>
+      <p:sp>
+        <p:nvSpPr>
+          <p:cNvPr id="2" name="Title 1"/>
+          <p:cNvSpPr>
+            <a:spLocks noGrp="1"/>
+          </p:cNvSpPr>
+          <p:nvPr>
+            <p:ph type="title"/>
+          </p:nvPr>
+        </p:nvSpPr>
+        <p:spPr/>
+        <p:txBody>
+          <a:bodyPr/>
+          <a:lstStyle/>
+          <a:p>
+            <a:r>
+              <a:t>Thank You for Your Time!</a:t>
+            </a:r>
+          </a:p>
+        </p:txBody>
+      </p:sp>
+      <p:sp>
+        <p:nvSpPr>
+          <p:cNvPr id="3" name="Content Placeholder 2"/>
+          <p:cNvSpPr>
+            <a:spLocks noGrp="1"/>
+          </p:cNvSpPr>
+          <p:nvPr>
+            <p:ph idx="1"/>
+          </p:nvPr>
+        </p:nvSpPr>
+        <p:spPr/>
+        <p:txBody>
+          <a:bodyPr/>
+          <a:lstStyle/>
+          <a:p>
+            <a:endParaRPr/>
+          </a:p>
+        </p:txBody>
+      </p:sp>
+    </p:spTree>
+  </p:cSld>
+  <p:clrMapOvr>
+    <a:masterClrMapping/>
+  </p:clrMapOvr>
+</p:sld>
+</file>
+
+<file path=ppt/slides/slide2.xml><?xml version="1.0" encoding="utf-8"?>
+<p:sld xmlns:a="http://schemas.openxmlformats.org/drawingml/2006/main" xmlns:r="http://schemas.openxmlformats.org/officeDocument/2006/relationships" xmlns:p="http://schemas.openxmlformats.org/presentationml/2006/main">
+  <p:cSld>
+    <p:spTree>
+      <p:nvGrpSpPr>
+        <p:cNvPr id="1" name=""/>
+        <p:cNvGrpSpPr/>
+        <p:nvPr/>
+      </p:nvGrpSpPr>
+      <p:grpSpPr>
+        <a:xfrm>
+          <a:off x="0" y="0"/>
+          <a:ext cx="0" cy="0"/>
+          <a:chOff x="0" y="0"/>
+          <a:chExt cx="0" cy="0"/>
+        </a:xfrm>
+      </p:grpSpPr>
+      <p:sp>
+        <p:nvSpPr>
+          <p:cNvPr id="2" name="Title 1"/>
+          <p:cNvSpPr>
+            <a:spLocks noGrp="1"/>
+          </p:cNvSpPr>
+          <p:nvPr>
+            <p:ph type="title"/>
+          </p:nvPr>
+        </p:nvSpPr>
+        <p:spPr/>
+        <p:txBody>
+          <a:bodyPr/>
+          <a:lstStyle/>
+          <a:p>
+            <a:r>
+              <a:t>Theoretical Case: Mr. Johnson's Emergency</a:t>
+            </a:r>
+          </a:p>
+        </p:txBody>
+      </p:sp>
+      <p:sp>
+        <p:nvSpPr>
+          <p:cNvPr id="3" name="Content Placeholder 2"/>
+          <p:cNvSpPr>
+            <a:spLocks noGrp="1"/>
+          </p:cNvSpPr>
+          <p:nvPr>
+            <p:ph idx="1"/>
+          </p:nvPr>
+        </p:nvSpPr>
+        <p:spPr/>
+        <p:txBody>
+          <a:bodyPr/>
+          <a:lstStyle/>
+          <a:p>
+            <a:r>
+              <a:t>Mr. Johnson, a 56-year-old male, collapses at work.</a:t>
+            </a:r>
+          </a:p>
+          <a:p>
+            <a:r>
+              <a:t>Symptoms: Severe chest pain, tightness in the chest, sweating, and light-headedness.</a:t>
+            </a:r>
+          </a:p>
+          <a:p>
+            <a:r>
+              <a:t>History: High blood pressure, high cholesterol, and smoking.</a:t>
+            </a:r>
+          </a:p>
+          <a:p>
+            <a:r>
+              <a:t>Objective: Identify the causes, symptoms, diagnosis, and treatment for his condition.</a:t>
+            </a:r>
+          </a:p>
+          <a:p>
+            <a:r>
+              <a:t>--</a:t>
+            </a:r>
+          </a:p>
+          <a:p>
+            <a:endParaRPr/>
+          </a:p>
+        </p:txBody>
+      </p:sp>
+    </p:spTree>
+  </p:cSld>
+  <p:clrMapOvr>
+    <a:masterClrMapping/>
+  </p:clrMapOvr>
+</p:sld>
+</file>
+
+<file path=ppt/slides/slide3.xml><?xml version="1.0" encoding="utf-8"?>
+<p:sld xmlns:a="http://schemas.openxmlformats.org/drawingml/2006/main" xmlns:r="http://schemas.openxmlformats.org/officeDocument/2006/relationships" xmlns:p="http://schemas.openxmlformats.org/presentationml/2006/main">
+  <p:cSld>
+    <p:spTree>
+      <p:nvGrpSpPr>
+        <p:cNvPr id="1" name=""/>
+        <p:cNvGrpSpPr/>
+        <p:nvPr/>
+      </p:nvGrpSpPr>
+      <p:grpSpPr>
+        <a:xfrm>
+          <a:off x="0" y="0"/>
+          <a:ext cx="0" cy="0"/>
+          <a:chOff x="0" y="0"/>
+          <a:chExt cx="0" cy="0"/>
+        </a:xfrm>
+      </p:grpSpPr>
+      <p:sp>
+        <p:nvSpPr>
+          <p:cNvPr id="2" name="Title 1"/>
+          <p:cNvSpPr>
+            <a:spLocks noGrp="1"/>
+          </p:cNvSpPr>
+          <p:nvPr>
+            <p:ph type="title"/>
+          </p:nvPr>
+        </p:nvSpPr>
+        <p:spPr/>
+        <p:txBody>
+          <a:bodyPr/>
+          <a:lstStyle/>
+          <a:p>
+            <a:r>
+              <a:t>What is a Heart Attack?</a:t>
+            </a:r>
+          </a:p>
+        </p:txBody>
+      </p:sp>
+      <p:sp>
+        <p:nvSpPr>
+          <p:cNvPr id="3" name="Content Placeholder 2"/>
+          <p:cNvSpPr>
+            <a:spLocks noGrp="1"/>
+          </p:cNvSpPr>
+          <p:nvPr>
+            <p:ph idx="1"/>
+          </p:nvPr>
+        </p:nvSpPr>
+        <p:spPr/>
+        <p:txBody>
+          <a:bodyPr/>
+          <a:lstStyle/>
+          <a:p>
+            <a:r>
+              <a:t>Blood flow blocked to part of the heart.</a:t>
+            </a:r>
+          </a:p>
+          <a:p>
+            <a:r>
+              <a:t>Prevents oxygen from reaching the heart.</a:t>
+            </a:r>
+          </a:p>
+          <a:p>
+            <a:r>
+              <a:t>Causes damage or death of heart muscle.</a:t>
+            </a:r>
+          </a:p>
+          <a:p>
+            <a:r>
+              <a:t>Also known as myocardial infarction.</a:t>
+            </a:r>
+          </a:p>
+          <a:p>
+            <a:r>
+              <a:t>--</a:t>
+            </a:r>
+          </a:p>
+          <a:p>
+            <a:endParaRPr/>
+          </a:p>
+        </p:txBody>
+      </p:sp>
+    </p:spTree>
+  </p:cSld>
+  <p:clrMapOvr>
+    <a:masterClrMapping/>
+  </p:clrMapOvr>
+</p:sld>
+</file>
+
+<file path=ppt/slides/slide4.xml><?xml version="1.0" encoding="utf-8"?>
+<p:sld xmlns:a="http://schemas.openxmlformats.org/drawingml/2006/main" xmlns:r="http://schemas.openxmlformats.org/officeDocument/2006/relationships" xmlns:p="http://schemas.openxmlformats.org/presentationml/2006/main">
+  <p:cSld>
+    <p:spTree>
+      <p:nvGrpSpPr>
+        <p:cNvPr id="1" name=""/>
+        <p:cNvGrpSpPr/>
+        <p:nvPr/>
+      </p:nvGrpSpPr>
+      <p:grpSpPr>
+        <a:xfrm>
+          <a:off x="0" y="0"/>
+          <a:ext cx="0" cy="0"/>
+          <a:chOff x="0" y="0"/>
+          <a:chExt cx="0" cy="0"/>
+        </a:xfrm>
+      </p:grpSpPr>
+      <p:sp>
+        <p:nvSpPr>
+          <p:cNvPr id="2" name="Title 1"/>
+          <p:cNvSpPr>
+            <a:spLocks noGrp="1"/>
+          </p:cNvSpPr>
+          <p:nvPr>
+            <p:ph type="title"/>
+          </p:nvPr>
+        </p:nvSpPr>
+        <p:spPr/>
+        <p:txBody>
+          <a:bodyPr/>
+          <a:lstStyle/>
+          <a:p>
+            <a:r>
+              <a:t>What are the Causes?</a:t>
+            </a:r>
+          </a:p>
+        </p:txBody>
+      </p:sp>
+      <p:sp>
+        <p:nvSpPr>
+          <p:cNvPr id="3" name="Content Placeholder 2"/>
+          <p:cNvSpPr>
+            <a:spLocks noGrp="1"/>
+          </p:cNvSpPr>
+          <p:nvPr>
+            <p:ph idx="1"/>
+          </p:nvPr>
+        </p:nvSpPr>
+        <p:spPr/>
+        <p:txBody>
+          <a:bodyPr/>
+          <a:lstStyle/>
+          <a:p>
+            <a:r>
+              <a:t>Blood clots blocking coronary arteries.</a:t>
+            </a:r>
+          </a:p>
+          <a:p>
+            <a:r>
+              <a:t>Plaque buildup (atherosclerosis).</a:t>
+            </a:r>
+          </a:p>
+          <a:p>
+            <a:r>
+              <a:t>Plaque cracks, triggering clots.</a:t>
+            </a:r>
+          </a:p>
+          <a:p>
+            <a:r>
+              <a:t>Other causes:</a:t>
+            </a:r>
+          </a:p>
+          <a:p>
+            <a:r>
+              <a:t>Blood vessel problems.</a:t>
+            </a:r>
+          </a:p>
+          <a:p>
+            <a:r>
+              <a:t>Severe coronary artery spasm (linked to drugs, stress, smoking).</a:t>
+            </a:r>
+          </a:p>
+          <a:p>
+            <a:r>
+              <a:t>--</a:t>
+            </a:r>
+          </a:p>
+          <a:p>
+            <a:endParaRPr/>
+          </a:p>
+        </p:txBody>
+      </p:sp>
+    </p:spTree>
+  </p:cSld>
+  <p:clrMapOvr>
+    <a:masterClrMapping/>
+  </p:clrMapOvr>
+</p:sld>
+</file>
+
+<file path=ppt/slides/slide5.xml><?xml version="1.0" encoding="utf-8"?>
+<p:sld xmlns:a="http://schemas.openxmlformats.org/drawingml/2006/main" xmlns:r="http://schemas.openxmlformats.org/officeDocument/2006/relationships" xmlns:p="http://schemas.openxmlformats.org/presentationml/2006/main">
+  <p:cSld>
+    <p:spTree>
+      <p:nvGrpSpPr>
+        <p:cNvPr id="1" name=""/>
+        <p:cNvGrpSpPr/>
+        <p:nvPr/>
+      </p:nvGrpSpPr>
+      <p:grpSpPr>
+        <a:xfrm>
+          <a:off x="0" y="0"/>
+          <a:ext cx="0" cy="0"/>
+          <a:chOff x="0" y="0"/>
+          <a:chExt cx="0" cy="0"/>
+        </a:xfrm>
+      </p:grpSpPr>
+      <p:sp>
+        <p:nvSpPr>
+          <p:cNvPr id="2" name="Title 1"/>
+          <p:cNvSpPr>
+            <a:spLocks noGrp="1"/>
+          </p:cNvSpPr>
+          <p:nvPr>
+            <p:ph type="title"/>
+          </p:nvPr>
+        </p:nvSpPr>
+        <p:spPr/>
+        <p:txBody>
+          <a:bodyPr/>
+          <a:lstStyle/>
+          <a:p>
+            <a:r>
+              <a:t>Am I at Risk? Risk Factors</a:t>
+            </a:r>
+          </a:p>
+        </p:txBody>
+      </p:sp>
+      <p:sp>
+        <p:nvSpPr>
+          <p:cNvPr id="3" name="Content Placeholder 2"/>
+          <p:cNvSpPr>
+            <a:spLocks noGrp="1"/>
+          </p:cNvSpPr>
+          <p:nvPr>
+            <p:ph idx="1"/>
+          </p:nvPr>
+        </p:nvSpPr>
+        <p:spPr/>
+        <p:txBody>
+          <a:bodyPr>
+            <a:normAutofit/>
+          </a:bodyPr>
+          <a:lstStyle/>
+          <a:p>
+            <a:r>
+              <a:t>**Health Conditions**:</a:t>
+            </a:r>
+          </a:p>
+          <a:p>
+            <a:r>
+              <a:t>Diabetes, high blood pressure, high cholesterol.</a:t>
+            </a:r>
+          </a:p>
+          <a:p>
+            <a:r>
+              <a:t>**Lifestyle**:</a:t>
+            </a:r>
+          </a:p>
+          <a:p>
+            <a:r>
+              <a:t>Smoking, lack of exercise, stress, high-fat diet.</a:t>
+            </a:r>
+          </a:p>
+          <a:p>
+            <a:r>
+              <a:t>**Demographics**:</a:t>
+            </a:r>
+          </a:p>
+          <a:p>
+            <a:r>
+              <a:t>Increasing age, family history of CAD.</a:t>
+            </a:r>
+          </a:p>
+          <a:p>
+            <a:r>
+              <a:t>Higher risk for men over 45 and women over 55.</a:t>
+            </a:r>
+          </a:p>
+          <a:p>
+            <a:r>
+              <a:t>Higher prevalence in certain races (e.g., African Americans, Native Americans).</a:t>
+            </a:r>
+          </a:p>
+          <a:p>
+            <a:r>
+              <a:t>--</a:t>
+            </a:r>
+          </a:p>
+          <a:p>
+            <a:endParaRPr/>
+          </a:p>
+        </p:txBody>
+      </p:sp>
+    </p:spTree>
+  </p:cSld>
+  <p:clrMapOvr>
+    <a:masterClrMapping/>
+  </p:clrMapOvr>
+</p:sld>
+</file>
+
+<file path=ppt/slides/slide6.xml><?xml version="1.0" encoding="utf-8"?>
+<p:sld xmlns:a="http://schemas.openxmlformats.org/drawingml/2006/main" xmlns:r="http://schemas.openxmlformats.org/officeDocument/2006/relationships" xmlns:p="http://schemas.openxmlformats.org/presentationml/2006/main">
+  <p:cSld>
+    <p:spTree>
+      <p:nvGrpSpPr>
+        <p:cNvPr id="1" name=""/>
+        <p:cNvGrpSpPr/>
+        <p:nvPr/>
+      </p:nvGrpSpPr>
+      <p:grpSpPr>
+        <a:xfrm>
+          <a:off x="0" y="0"/>
+          <a:ext cx="0" cy="0"/>
+          <a:chOff x="0" y="0"/>
+          <a:chExt cx="0" cy="0"/>
+        </a:xfrm>
+      </p:grpSpPr>
+      <p:sp>
+        <p:nvSpPr>
+          <p:cNvPr id="2" name="Title 1"/>
+          <p:cNvSpPr>
+            <a:spLocks noGrp="1"/>
+          </p:cNvSpPr>
+          <p:nvPr>
+            <p:ph type="title"/>
+          </p:nvPr>
+        </p:nvSpPr>
+        <p:spPr/>
+        <p:txBody>
+          <a:bodyPr/>
+          <a:lstStyle/>
+          <a:p>
+            <a:r>
+              <a:t>Symptoms: How to Recognize a Heart Attack</a:t>
+            </a:r>
+          </a:p>
+        </p:txBody>
+      </p:sp>
+      <p:sp>
+        <p:nvSpPr>
+          <p:cNvPr id="3" name="Content Placeholder 2"/>
+          <p:cNvSpPr>
+            <a:spLocks noGrp="1"/>
+          </p:cNvSpPr>
+          <p:nvPr>
+            <p:ph idx="1"/>
+          </p:nvPr>
+        </p:nvSpPr>
+        <p:spPr/>
+        <p:txBody>
+          <a:bodyPr/>
+          <a:lstStyle/>
+          <a:p>
+            <a:r>
+              <a:t>Severe crushing pain or chest tightness (Angina).</a:t>
+            </a:r>
+          </a:p>
+          <a:p>
+            <a:r>
+              <a:t>Pain spreading to left arm, shoulder, neck, or jaw.</a:t>
+            </a:r>
+          </a:p>
+          <a:p>
+            <a:r>
+              <a:t>Shortness of breath, nausea, and vomiting.</a:t>
+            </a:r>
+          </a:p>
+          <a:p>
+            <a:r>
+              <a:t>Light-headedness, loss of consciousness, or perspiration.</a:t>
+            </a:r>
+          </a:p>
+          <a:p>
+            <a:r>
+              <a:t>May feel like heartburn or indigestion.</a:t>
+            </a:r>
+          </a:p>
+          <a:p>
+            <a:r>
+              <a:t>**DO NOT IGNORE SYMPTOMS!**</a:t>
+            </a:r>
+          </a:p>
+          <a:p>
+            <a:r>
+              <a:t>--</a:t>
+            </a:r>
+          </a:p>
+          <a:p>
+            <a:endParaRPr/>
+          </a:p>
+        </p:txBody>
+      </p:sp>
+    </p:spTree>
+  </p:cSld>
+  <p:clrMapOvr>
+    <a:masterClrMapping/>
+  </p:clrMapOvr>
+</p:sld>
+</file>
+
+<file path=ppt/slides/slide7.xml><?xml version="1.0" encoding="utf-8"?>
+<p:sld xmlns:a="http://schemas.openxmlformats.org/drawingml/2006/main" xmlns:r="http://schemas.openxmlformats.org/officeDocument/2006/relationships" xmlns:p="http://schemas.openxmlformats.org/presentationml/2006/main">
+  <p:cSld>
+    <p:spTree>
+      <p:nvGrpSpPr>
+        <p:cNvPr id="1" name=""/>
+        <p:cNvGrpSpPr/>
+        <p:nvPr/>
+      </p:nvGrpSpPr>
+      <p:grpSpPr>
+        <a:xfrm>
+          <a:off x="0" y="0"/>
+          <a:ext cx="0" cy="0"/>
+          <a:chOff x="0" y="0"/>
+          <a:chExt cx="0" cy="0"/>
+        </a:xfrm>
+      </p:grpSpPr>
+      <p:sp>
+        <p:nvSpPr>
+          <p:cNvPr id="2" name="Title 1"/>
+          <p:cNvSpPr>
+            <a:spLocks noGrp="1"/>
+          </p:cNvSpPr>
+          <p:nvPr>
+            <p:ph type="title"/>
+          </p:nvPr>
+        </p:nvSpPr>
+        <p:spPr/>
+        <p:txBody>
+          <a:bodyPr/>
+          <a:lstStyle/>
+          <a:p>
+            <a:r>
+              <a:t>Diagnosing a Heart Attack</a:t>
+            </a:r>
+          </a:p>
+        </p:txBody>
+      </p:sp>
+      <p:sp>
+        <p:nvSpPr>
+          <p:cNvPr id="3" name="Content Placeholder 2"/>
+          <p:cNvSpPr>
+            <a:spLocks noGrp="1"/>
+          </p:cNvSpPr>
+          <p:nvPr>
+            <p:ph idx="1"/>
+          </p:nvPr>
+        </p:nvSpPr>
+        <p:spPr/>
+        <p:txBody>
+          <a:bodyPr/>
+          <a:lstStyle/>
+          <a:p>
+            <a:r>
+              <a:t>Physical examination: Stethoscope, pulse, blood pressure.</a:t>
+            </a:r>
+          </a:p>
+          <a:p>
+            <a:r>
+              <a:t>Electrocardiogram (ECG): Detect arrhythmias or blockages.</a:t>
+            </a:r>
+          </a:p>
+          <a:p>
+            <a:r>
+              <a:t>Blood tests:</a:t>
+            </a:r>
+          </a:p>
+          <a:p>
+            <a:r>
+              <a:t>High levels of cardiac enzymes (CK, MB, troponin).</a:t>
+            </a:r>
+          </a:p>
+          <a:p>
+            <a:r>
+              <a:t>--</a:t>
+            </a:r>
+          </a:p>
+          <a:p>
+            <a:endParaRPr/>
+          </a:p>
+        </p:txBody>
+      </p:sp>
+    </p:spTree>
+  </p:cSld>
+  <p:clrMapOvr>
+    <a:masterClrMapping/>
+  </p:clrMapOvr>
+</p:sld>
+</file>
+
+<file path=ppt/slides/slide8.xml><?xml version="1.0" encoding="utf-8"?>
+<p:sld xmlns:a="http://schemas.openxmlformats.org/drawingml/2006/main" xmlns:r="http://schemas.openxmlformats.org/officeDocument/2006/relationships" xmlns:p="http://schemas.openxmlformats.org/presentationml/2006/main">
+  <p:cSld>
+    <p:spTree>
+      <p:nvGrpSpPr>
+        <p:cNvPr id="1" name=""/>
+        <p:cNvGrpSpPr/>
+        <p:nvPr/>
+      </p:nvGrpSpPr>
+      <p:grpSpPr>
+        <a:xfrm>
+          <a:off x="0" y="0"/>
+          <a:ext cx="0" cy="0"/>
+          <a:chOff x="0" y="0"/>
+          <a:chExt cx="0" cy="0"/>
+        </a:xfrm>
+      </p:grpSpPr>
+      <p:sp>
+        <p:nvSpPr>
+          <p:cNvPr id="2" name="Title 1"/>
+          <p:cNvSpPr>
+            <a:spLocks noGrp="1"/>
+          </p:cNvSpPr>
+          <p:nvPr>
+            <p:ph type="title"/>
+          </p:nvPr>
+        </p:nvSpPr>
+        <p:spPr/>
+        <p:txBody>
+          <a:bodyPr/>
+          <a:lstStyle/>
+          <a:p>
+            <a:r>
+              <a:t>Treating a Heart Attack Victim</a:t>
+            </a:r>
+          </a:p>
+        </p:txBody>
+      </p:sp>
+      <p:sp>
+        <p:nvSpPr>
+          <p:cNvPr id="3" name="Content Placeholder 2"/>
+          <p:cNvSpPr>
+            <a:spLocks noGrp="1"/>
+          </p:cNvSpPr>
+          <p:nvPr>
+            <p:ph idx="1"/>
+          </p:nvPr>
+        </p:nvSpPr>
+        <p:spPr/>
+        <p:txBody>
+          <a:bodyPr/>
+          <a:lstStyle/>
+          <a:p>
+            <a:r>
+              <a:t>At home: Take aspirin to dissolve clots.</a:t>
+            </a:r>
+          </a:p>
+          <a:p>
+            <a:r>
+              <a:t>Ambulance/Doctor actions:</a:t>
+            </a:r>
+          </a:p>
+          <a:p>
+            <a:r>
+              <a:t>Clot busters (e.g., streptokinase, nitrates).</a:t>
+            </a:r>
+          </a:p>
+          <a:p>
+            <a:r>
+              <a:t>Oxygen and pain management (morphine).</a:t>
+            </a:r>
+          </a:p>
+          <a:p>
+            <a:r>
+              <a:t>CPR or defibrillation if necessary.</a:t>
+            </a:r>
+          </a:p>
+          <a:p>
+            <a:r>
+              <a:t>Surgery to clear/open arteries.</a:t>
+            </a:r>
+          </a:p>
+          <a:p>
+            <a:r>
+              <a:t>--</a:t>
+            </a:r>
+          </a:p>
+          <a:p>
+            <a:endParaRPr/>
+          </a:p>
+        </p:txBody>
+      </p:sp>
+    </p:spTree>
+  </p:cSld>
+  <p:clrMapOvr>
+    <a:masterClrMapping/>
+  </p:clrMapOvr>
+</p:sld>
+</file>
+
+<file path=ppt/slides/slide9.xml><?xml version="1.0" encoding="utf-8"?>
+<p:sld xmlns:a="http://schemas.openxmlformats.org/drawingml/2006/main" xmlns:r="http://schemas.openxmlformats.org/officeDocument/2006/relationships" xmlns:p="http://schemas.openxmlformats.org/presentationml/2006/main">
+  <p:cSld>
+    <p:spTree>
+      <p:nvGrpSpPr>
+        <p:cNvPr id="1" name=""/>
+        <p:cNvGrpSpPr/>
+        <p:nvPr/>
+      </p:nvGrpSpPr>
+      <p:grpSpPr>
+        <a:xfrm>
+          <a:off x="0" y="0"/>
+          <a:ext cx="0" cy="0"/>
+          <a:chOff x="0" y="0"/>
+          <a:chExt cx="0" cy="0"/>
+        </a:xfrm>
+      </p:grpSpPr>
+      <p:sp>
+        <p:nvSpPr>
+          <p:cNvPr id="2" name="Title 1"/>
+          <p:cNvSpPr>
+            <a:spLocks noGrp="1"/>
+          </p:cNvSpPr>
+          <p:nvPr>
+            <p:ph type="title"/>
+          </p:nvPr>
+        </p:nvSpPr>
+        <p:spPr/>
+        <p:txBody>
+          <a:bodyPr/>
+          <a:lstStyle/>
+          <a:p>
+            <a:r>
+              <a:t>Stabilization and Medical Management</a:t>
+            </a:r>
+          </a:p>
+        </p:txBody>
+      </p:sp>
+      <p:sp>
+        <p:nvSpPr>
+          <p:cNvPr id="3" name="Content Placeholder 2"/>
+          <p:cNvSpPr>
+            <a:spLocks noGrp="1"/>
+          </p:cNvSpPr>
+          <p:nvPr>
+            <p:ph idx="1"/>
+          </p:nvPr>
+        </p:nvSpPr>
+        <p:spPr/>
+        <p:txBody>
+          <a:bodyPr/>
+          <a:lstStyle/>
+          <a:p>
+            <a:r>
+              <a:t>**Thrombolytic Therapy**: Dissolves clots.</a:t>
+            </a:r>
+          </a:p>
+          <a:p>
+            <a:r>
+              <a:t>**Beta-Blockers**: Reduce heart workload and correct arrhythmias.</a:t>
+            </a:r>
+          </a:p>
+          <a:p>
+            <a:r>
+              <a:t>**ACE Inhibitors**: Lower blood pressure and strain.</a:t>
+            </a:r>
+          </a:p>
+          <a:p>
+            <a:r>
+              <a:t>**Anticoagulants**: Thin blood and prevent clots.</a:t>
+            </a:r>
+          </a:p>
+          <a:p>
+            <a:r>
+              <a:t>**Antiplatelet Medication**: Prevent platelet clumping.</a:t>
+            </a:r>
+          </a:p>
+          <a:p>
+            <a:r>
+              <a:t>--</a:t>
+            </a:r>
+          </a:p>
+          <a:p>
+            <a:endParaRPr/>
           </a:p>
         </p:txBody>
       </p:sp>
@@ -3425,44 +4646,44 @@
         <a:sysClr val="window" lastClr="FFFFFF"/>
       </a:lt1>
       <a:dk2>
-        <a:srgbClr val="1F497D"/>
+        <a:srgbClr val="0E2841"/>
       </a:dk2>
       <a:lt2>
-        <a:srgbClr val="EEECE1"/>
+        <a:srgbClr val="E8E8E8"/>
       </a:lt2>
       <a:accent1>
-        <a:srgbClr val="4F81BD"/>
+        <a:srgbClr val="156082"/>
       </a:accent1>
       <a:accent2>
-        <a:srgbClr val="C0504D"/>
+        <a:srgbClr val="E97132"/>
       </a:accent2>
       <a:accent3>
-        <a:srgbClr val="9BBB59"/>
+        <a:srgbClr val="196B24"/>
       </a:accent3>
       <a:accent4>
-        <a:srgbClr val="8064A2"/>
+        <a:srgbClr val="0F9ED5"/>
       </a:accent4>
       <a:accent5>
-        <a:srgbClr val="4BACC6"/>
+        <a:srgbClr val="A02B93"/>
       </a:accent5>
       <a:accent6>
-        <a:srgbClr val="F79646"/>
+        <a:srgbClr val="4EA72E"/>
       </a:accent6>
       <a:hlink>
-        <a:srgbClr val="0000FF"/>
+        <a:srgbClr val="467886"/>
       </a:hlink>
       <a:folHlink>
-        <a:srgbClr val="800080"/>
+        <a:srgbClr val="96607D"/>
       </a:folHlink>
     </a:clrScheme>
     <a:fontScheme name="Office">
       <a:majorFont>
-        <a:latin typeface="Calibri"/>
+        <a:latin typeface="Aptos Display" panose="02110004020202020204"/>
         <a:ea typeface=""/>
         <a:cs typeface=""/>
-        <a:font script="Jpan" typeface="ＭＳ Ｐゴシック"/>
+        <a:font script="Jpan" typeface="游ゴシック Light"/>
         <a:font script="Hang" typeface="맑은 고딕"/>
-        <a:font script="Hans" typeface="宋体"/>
+        <a:font script="Hans" typeface="等线 Light"/>
         <a:font script="Hant" typeface="新細明體"/>
         <a:font script="Arab" typeface="Times New Roman"/>
         <a:font script="Hebr" typeface="Times New Roman"/>
@@ -3490,14 +4711,31 @@
         <a:font script="Viet" typeface="Times New Roman"/>
         <a:font script="Uigh" typeface="Microsoft Uighur"/>
         <a:font script="Geor" typeface="Sylfaen"/>
+        <a:font script="Armn" typeface="Arial"/>
+        <a:font script="Bugi" typeface="Leelawadee UI"/>
+        <a:font script="Bopo" typeface="Microsoft JhengHei"/>
+        <a:font script="Java" typeface="Javanese Text"/>
+        <a:font script="Lisu" typeface="Segoe UI"/>
+        <a:font script="Mymr" typeface="Myanmar Text"/>
+        <a:font script="Nkoo" typeface="Ebrima"/>
+        <a:font script="Olck" typeface="Nirmala UI"/>
+        <a:font script="Osma" typeface="Ebrima"/>
+        <a:font script="Phag" typeface="Phagspa"/>
+        <a:font script="Syrn" typeface="Estrangelo Edessa"/>
+        <a:font script="Syrj" typeface="Estrangelo Edessa"/>
+        <a:font script="Syre" typeface="Estrangelo Edessa"/>
+        <a:font script="Sora" typeface="Nirmala UI"/>
+        <a:font script="Tale" typeface="Microsoft Tai Le"/>
+        <a:font script="Talu" typeface="Microsoft New Tai Lue"/>
+        <a:font script="Tfng" typeface="Ebrima"/>
       </a:majorFont>
       <a:minorFont>
-        <a:latin typeface="Calibri"/>
+        <a:latin typeface="Aptos" panose="02110004020202020204"/>
         <a:ea typeface=""/>
         <a:cs typeface=""/>
-        <a:font script="Jpan" typeface="ＭＳ Ｐゴシック"/>
+        <a:font script="Jpan" typeface="游ゴシック"/>
         <a:font script="Hang" typeface="맑은 고딕"/>
-        <a:font script="Hans" typeface="宋体"/>
+        <a:font script="Hans" typeface="等线"/>
         <a:font script="Hant" typeface="新細明體"/>
         <a:font script="Arab" typeface="Arial"/>
         <a:font script="Hebr" typeface="Arial"/>
@@ -3525,6 +4763,23 @@
         <a:font script="Viet" typeface="Arial"/>
         <a:font script="Uigh" typeface="Microsoft Uighur"/>
         <a:font script="Geor" typeface="Sylfaen"/>
+        <a:font script="Armn" typeface="Arial"/>
+        <a:font script="Bugi" typeface="Leelawadee UI"/>
+        <a:font script="Bopo" typeface="Microsoft JhengHei"/>
+        <a:font script="Java" typeface="Javanese Text"/>
+        <a:font script="Lisu" typeface="Segoe UI"/>
+        <a:font script="Mymr" typeface="Myanmar Text"/>
+        <a:font script="Nkoo" typeface="Ebrima"/>
+        <a:font script="Olck" typeface="Nirmala UI"/>
+        <a:font script="Osma" typeface="Ebrima"/>
+        <a:font script="Phag" typeface="Phagspa"/>
+        <a:font script="Syrn" typeface="Estrangelo Edessa"/>
+        <a:font script="Syrj" typeface="Estrangelo Edessa"/>
+        <a:font script="Syre" typeface="Estrangelo Edessa"/>
+        <a:font script="Sora" typeface="Nirmala UI"/>
+        <a:font script="Tale" typeface="Microsoft Tai Le"/>
+        <a:font script="Talu" typeface="Microsoft New Tai Lue"/>
+        <a:font script="Tfng" typeface="Ebrima"/>
       </a:minorFont>
     </a:fontScheme>
     <a:fmtScheme name="Office">
@@ -3536,180 +4791,136 @@
           <a:gsLst>
             <a:gs pos="0">
               <a:schemeClr val="phClr">
-                <a:tint val="50000"/>
-                <a:satMod val="300000"/>
+                <a:lumMod val="110000"/>
+                <a:satMod val="105000"/>
+                <a:tint val="67000"/>
               </a:schemeClr>
             </a:gs>
-            <a:gs pos="35000">
+            <a:gs pos="50000">
               <a:schemeClr val="phClr">
-                <a:tint val="37000"/>
-                <a:satMod val="300000"/>
+                <a:lumMod val="105000"/>
+                <a:satMod val="103000"/>
+                <a:tint val="73000"/>
               </a:schemeClr>
             </a:gs>
             <a:gs pos="100000">
               <a:schemeClr val="phClr">
-                <a:tint val="15000"/>
-                <a:satMod val="350000"/>
+                <a:lumMod val="105000"/>
+                <a:satMod val="109000"/>
+                <a:tint val="81000"/>
               </a:schemeClr>
             </a:gs>
           </a:gsLst>
-          <a:lin ang="16200000" scaled="1"/>
+          <a:lin ang="5400000" scaled="0"/>
         </a:gradFill>
         <a:gradFill rotWithShape="1">
           <a:gsLst>
             <a:gs pos="0">
               <a:schemeClr val="phClr">
-                <a:tint val="100000"/>
+                <a:satMod val="103000"/>
+                <a:lumMod val="102000"/>
+                <a:tint val="94000"/>
+              </a:schemeClr>
+            </a:gs>
+            <a:gs pos="50000">
+              <a:schemeClr val="phClr">
+                <a:satMod val="110000"/>
+                <a:lumMod val="100000"/>
                 <a:shade val="100000"/>
-                <a:satMod val="130000"/>
               </a:schemeClr>
             </a:gs>
             <a:gs pos="100000">
               <a:schemeClr val="phClr">
-                <a:tint val="50000"/>
-                <a:shade val="100000"/>
-                <a:satMod val="350000"/>
+                <a:lumMod val="99000"/>
+                <a:satMod val="120000"/>
+                <a:shade val="78000"/>
               </a:schemeClr>
             </a:gs>
           </a:gsLst>
-          <a:lin ang="16200000" scaled="0"/>
+          <a:lin ang="5400000" scaled="0"/>
         </a:gradFill>
       </a:fillStyleLst>
       <a:lnStyleLst>
-        <a:ln w="9525" cap="flat" cmpd="sng" algn="ctr">
+        <a:ln w="12700" cap="flat" cmpd="sng" algn="ctr">
           <a:solidFill>
-            <a:schemeClr val="phClr">
-              <a:shade val="95000"/>
-              <a:satMod val="105000"/>
-            </a:schemeClr>
+            <a:schemeClr val="phClr"/>
           </a:solidFill>
           <a:prstDash val="solid"/>
+          <a:miter lim="800000"/>
+        </a:ln>
+        <a:ln w="19050" cap="flat" cmpd="sng" algn="ctr">
+          <a:solidFill>
+            <a:schemeClr val="phClr"/>
+          </a:solidFill>
+          <a:prstDash val="solid"/>
+          <a:miter lim="800000"/>
         </a:ln>
         <a:ln w="25400" cap="flat" cmpd="sng" algn="ctr">
           <a:solidFill>
             <a:schemeClr val="phClr"/>
           </a:solidFill>
           <a:prstDash val="solid"/>
-        </a:ln>
-        <a:ln w="38100" cap="flat" cmpd="sng" algn="ctr">
-          <a:solidFill>
-            <a:schemeClr val="phClr"/>
-          </a:solidFill>
-          <a:prstDash val="solid"/>
+          <a:miter lim="800000"/>
         </a:ln>
       </a:lnStyleLst>
       <a:effectStyleLst>
         <a:effectStyle>
+          <a:effectLst/>
+        </a:effectStyle>
+        <a:effectStyle>
+          <a:effectLst/>
+        </a:effectStyle>
+        <a:effectStyle>
           <a:effectLst>
-            <a:outerShdw blurRad="40000" dist="20000" dir="5400000" rotWithShape="0">
+            <a:outerShdw blurRad="57150" dist="19050" dir="5400000" algn="ctr" rotWithShape="0">
               <a:srgbClr val="000000">
-                <a:alpha val="38000"/>
+                <a:alpha val="63000"/>
               </a:srgbClr>
             </a:outerShdw>
           </a:effectLst>
-        </a:effectStyle>
-        <a:effectStyle>
-          <a:effectLst>
-            <a:outerShdw blurRad="40000" dist="23000" dir="5400000" rotWithShape="0">
-              <a:srgbClr val="000000">
-                <a:alpha val="35000"/>
-              </a:srgbClr>
-            </a:outerShdw>
-          </a:effectLst>
-        </a:effectStyle>
-        <a:effectStyle>
-          <a:effectLst>
-            <a:outerShdw blurRad="40000" dist="23000" dir="5400000" rotWithShape="0">
-              <a:srgbClr val="000000">
-                <a:alpha val="35000"/>
-              </a:srgbClr>
-            </a:outerShdw>
-          </a:effectLst>
-          <a:scene3d>
-            <a:camera prst="orthographicFront">
-              <a:rot lat="0" lon="0" rev="0"/>
-            </a:camera>
-            <a:lightRig rig="threePt" dir="t">
-              <a:rot lat="0" lon="0" rev="1200000"/>
-            </a:lightRig>
-          </a:scene3d>
-          <a:sp3d>
-            <a:bevelT w="63500" h="25400"/>
-          </a:sp3d>
         </a:effectStyle>
       </a:effectStyleLst>
       <a:bgFillStyleLst>
         <a:solidFill>
           <a:schemeClr val="phClr"/>
         </a:solidFill>
+        <a:solidFill>
+          <a:schemeClr val="phClr">
+            <a:tint val="95000"/>
+            <a:satMod val="170000"/>
+          </a:schemeClr>
+        </a:solidFill>
         <a:gradFill rotWithShape="1">
           <a:gsLst>
             <a:gs pos="0">
               <a:schemeClr val="phClr">
-                <a:tint val="40000"/>
-                <a:satMod val="350000"/>
+                <a:tint val="93000"/>
+                <a:satMod val="150000"/>
+                <a:shade val="98000"/>
+                <a:lumMod val="102000"/>
               </a:schemeClr>
             </a:gs>
-            <a:gs pos="40000">
+            <a:gs pos="50000">
               <a:schemeClr val="phClr">
-                <a:tint val="45000"/>
-                <a:shade val="99000"/>
-                <a:satMod val="350000"/>
+                <a:tint val="98000"/>
+                <a:satMod val="130000"/>
+                <a:shade val="90000"/>
+                <a:lumMod val="103000"/>
               </a:schemeClr>
             </a:gs>
             <a:gs pos="100000">
               <a:schemeClr val="phClr">
-                <a:shade val="20000"/>
-                <a:satMod val="255000"/>
+                <a:shade val="63000"/>
+                <a:satMod val="120000"/>
               </a:schemeClr>
             </a:gs>
           </a:gsLst>
-          <a:path path="circle">
-            <a:fillToRect l="50000" t="-80000" r="50000" b="180000"/>
-          </a:path>
-        </a:gradFill>
-        <a:gradFill rotWithShape="1">
-          <a:gsLst>
-            <a:gs pos="0">
-              <a:schemeClr val="phClr">
-                <a:tint val="80000"/>
-                <a:satMod val="300000"/>
-              </a:schemeClr>
-            </a:gs>
-            <a:gs pos="100000">
-              <a:schemeClr val="phClr">
-                <a:shade val="30000"/>
-                <a:satMod val="200000"/>
-              </a:schemeClr>
-            </a:gs>
-          </a:gsLst>
-          <a:path path="circle">
-            <a:fillToRect l="50000" t="50000" r="50000" b="50000"/>
-          </a:path>
+          <a:lin ang="5400000" scaled="0"/>
         </a:gradFill>
       </a:bgFillStyleLst>
     </a:fmtScheme>
   </a:themeElements>
   <a:objectDefaults>
-    <a:spDef>
-      <a:spPr/>
-      <a:bodyPr/>
-      <a:lstStyle/>
-      <a:style>
-        <a:lnRef idx="1">
-          <a:schemeClr val="accent1"/>
-        </a:lnRef>
-        <a:fillRef idx="3">
-          <a:schemeClr val="accent1"/>
-        </a:fillRef>
-        <a:effectRef idx="2">
-          <a:schemeClr val="accent1"/>
-        </a:effectRef>
-        <a:fontRef idx="minor">
-          <a:schemeClr val="lt1"/>
-        </a:fontRef>
-      </a:style>
-    </a:spDef>
     <a:lnDef>
       <a:spPr/>
       <a:bodyPr/>
@@ -3731,5 +4942,10 @@
     </a:lnDef>
   </a:objectDefaults>
   <a:extraClrSchemeLst/>
+  <a:extLst>
+    <a:ext uri="{05A4C25C-085E-4340-85A3-A5531E510DB2}">
+      <thm15:themeFamily xmlns:thm15="http://schemas.microsoft.com/office/thememl/2012/main" name="Office Theme" id="{2E142A2C-CD16-42D6-873A-C26D2A0506FA}" vid="{1BDDFF52-6CD6-40A5-AB3C-68EB2F1E4D0A}"/>
+    </a:ext>
+  </a:extLst>
 </a:theme>
 </file>